--- a/Data Science Project.pptx
+++ b/Data Science Project.pptx
@@ -240,7 +240,7 @@
                 <a:ea typeface="ABBvoice" panose="020D0603020503020204" pitchFamily="34" charset="0"/>
                 <a:cs typeface="ABBvoice" panose="020D0603020503020204" pitchFamily="34" charset="0"/>
               </a:rPr>
-              <a:t>5/2/2023</a:t>
+              <a:t>5/3/2023</a:t>
             </a:fld>
             <a:endParaRPr lang="en-US" dirty="0">
               <a:latin typeface="ABBvoice" panose="020D0603020503020204" pitchFamily="34" charset="0"/>
@@ -430,7 +430,7 @@
             <a:fld id="{7B9B1A6A-6BBE-4409-8C9E-DA0703379151}" type="datetimeFigureOut">
               <a:rPr lang="en-US" smtClean="0"/>
               <a:pPr/>
-              <a:t>5/2/2023</a:t>
+              <a:t>5/3/2023</a:t>
             </a:fld>
             <a:endParaRPr lang="en-US" dirty="0"/>
           </a:p>
@@ -931,7 +931,7 @@
             <a:fld id="{B2016A11-4950-4F3F-938B-45DEE5F72969}" type="datetime4">
               <a:rPr lang="en-US" smtClean="0"/>
               <a:pPr/>
-              <a:t>May 2, 2023</a:t>
+              <a:t>May 3, 2023</a:t>
             </a:fld>
             <a:endParaRPr lang="en-US" dirty="0"/>
           </a:p>
@@ -1597,7 +1597,7 @@
         <p:fade/>
       </p:transition>
     </mc:Choice>
-    <mc:Fallback xmlns:a16="http://schemas.microsoft.com/office/drawing/2014/main" xmlns:a14="http://schemas.microsoft.com/office/drawing/2010/main" xmlns:asvg="http://schemas.microsoft.com/office/drawing/2016/SVG/main" xmlns="">
+    <mc:Fallback xmlns="" xmlns:asvg="http://schemas.microsoft.com/office/drawing/2016/SVG/main" xmlns:a14="http://schemas.microsoft.com/office/drawing/2010/main" xmlns:a16="http://schemas.microsoft.com/office/drawing/2014/main">
       <p:transition spd="med">
         <p:fade/>
       </p:transition>
@@ -1815,7 +1815,7 @@
             <a:fld id="{B2016A11-4950-4F3F-938B-45DEE5F72969}" type="datetime4">
               <a:rPr lang="en-US" smtClean="0"/>
               <a:pPr/>
-              <a:t>May 2, 2023</a:t>
+              <a:t>May 3, 2023</a:t>
             </a:fld>
             <a:endParaRPr lang="en-US" dirty="0"/>
           </a:p>
@@ -1871,7 +1871,7 @@
         <p:fade/>
       </p:transition>
     </mc:Choice>
-    <mc:Fallback xmlns:a16="http://schemas.microsoft.com/office/drawing/2014/main" xmlns="">
+    <mc:Fallback xmlns="" xmlns:a16="http://schemas.microsoft.com/office/drawing/2014/main">
       <p:transition spd="med">
         <p:fade/>
       </p:transition>
@@ -2182,7 +2182,7 @@
             <a:fld id="{B2016A11-4950-4F3F-938B-45DEE5F72969}" type="datetime4">
               <a:rPr lang="en-US" noProof="0" smtClean="0"/>
               <a:pPr/>
-              <a:t>May 2, 2023</a:t>
+              <a:t>May 3, 2023</a:t>
             </a:fld>
             <a:endParaRPr lang="en-US" noProof="0" dirty="0"/>
           </a:p>
@@ -2238,7 +2238,7 @@
         <p:fade/>
       </p:transition>
     </mc:Choice>
-    <mc:Fallback xmlns:a16="http://schemas.microsoft.com/office/drawing/2014/main" xmlns="">
+    <mc:Fallback xmlns="" xmlns:a16="http://schemas.microsoft.com/office/drawing/2014/main">
       <p:transition spd="med">
         <p:fade/>
       </p:transition>
@@ -2591,7 +2591,7 @@
             <a:fld id="{B2016A11-4950-4F3F-938B-45DEE5F72969}" type="datetime4">
               <a:rPr lang="en-US" noProof="0" smtClean="0"/>
               <a:pPr/>
-              <a:t>May 2, 2023</a:t>
+              <a:t>May 3, 2023</a:t>
             </a:fld>
             <a:endParaRPr lang="en-US" noProof="0" dirty="0"/>
           </a:p>
@@ -2647,7 +2647,7 @@
         <p:fade/>
       </p:transition>
     </mc:Choice>
-    <mc:Fallback xmlns:a16="http://schemas.microsoft.com/office/drawing/2014/main" xmlns="">
+    <mc:Fallback xmlns="" xmlns:a16="http://schemas.microsoft.com/office/drawing/2014/main">
       <p:transition spd="med">
         <p:fade/>
       </p:transition>
@@ -3025,7 +3025,7 @@
             <a:fld id="{B2016A11-4950-4F3F-938B-45DEE5F72969}" type="datetime4">
               <a:rPr lang="en-US" noProof="0" smtClean="0"/>
               <a:pPr/>
-              <a:t>May 2, 2023</a:t>
+              <a:t>May 3, 2023</a:t>
             </a:fld>
             <a:endParaRPr lang="en-US" noProof="0" dirty="0"/>
           </a:p>
@@ -3081,7 +3081,7 @@
         <p:fade/>
       </p:transition>
     </mc:Choice>
-    <mc:Fallback xmlns:a16="http://schemas.microsoft.com/office/drawing/2014/main" xmlns="">
+    <mc:Fallback xmlns="" xmlns:a16="http://schemas.microsoft.com/office/drawing/2014/main">
       <p:transition spd="med">
         <p:fade/>
       </p:transition>
@@ -3543,7 +3543,7 @@
             <a:fld id="{B2016A11-4950-4F3F-938B-45DEE5F72969}" type="datetime4">
               <a:rPr lang="en-US" noProof="0" smtClean="0"/>
               <a:pPr/>
-              <a:t>May 2, 2023</a:t>
+              <a:t>May 3, 2023</a:t>
             </a:fld>
             <a:endParaRPr lang="en-US" noProof="0" dirty="0"/>
           </a:p>
@@ -3599,7 +3599,7 @@
         <p:fade/>
       </p:transition>
     </mc:Choice>
-    <mc:Fallback xmlns:a16="http://schemas.microsoft.com/office/drawing/2014/main" xmlns="">
+    <mc:Fallback xmlns="" xmlns:a16="http://schemas.microsoft.com/office/drawing/2014/main">
       <p:transition spd="med">
         <p:fade/>
       </p:transition>
@@ -4036,7 +4036,7 @@
             <a:fld id="{B2016A11-4950-4F3F-938B-45DEE5F72969}" type="datetime4">
               <a:rPr lang="en-US" noProof="0" smtClean="0"/>
               <a:pPr/>
-              <a:t>May 2, 2023</a:t>
+              <a:t>May 3, 2023</a:t>
             </a:fld>
             <a:endParaRPr lang="en-US" noProof="0" dirty="0"/>
           </a:p>
@@ -4092,7 +4092,7 @@
         <p:fade/>
       </p:transition>
     </mc:Choice>
-    <mc:Fallback xmlns:a16="http://schemas.microsoft.com/office/drawing/2014/main" xmlns="">
+    <mc:Fallback xmlns="" xmlns:a16="http://schemas.microsoft.com/office/drawing/2014/main">
       <p:transition spd="med">
         <p:fade/>
       </p:transition>
@@ -4655,7 +4655,7 @@
             <a:fld id="{B2016A11-4950-4F3F-938B-45DEE5F72969}" type="datetime4">
               <a:rPr lang="en-US" noProof="0" smtClean="0"/>
               <a:pPr/>
-              <a:t>May 2, 2023</a:t>
+              <a:t>May 3, 2023</a:t>
             </a:fld>
             <a:endParaRPr lang="en-US" noProof="0" dirty="0"/>
           </a:p>
@@ -4711,7 +4711,7 @@
         <p:fade/>
       </p:transition>
     </mc:Choice>
-    <mc:Fallback xmlns:a16="http://schemas.microsoft.com/office/drawing/2014/main" xmlns="">
+    <mc:Fallback xmlns="" xmlns:a16="http://schemas.microsoft.com/office/drawing/2014/main">
       <p:transition spd="med">
         <p:fade/>
       </p:transition>
@@ -5211,7 +5211,7 @@
             <a:fld id="{B2016A11-4950-4F3F-938B-45DEE5F72969}" type="datetime4">
               <a:rPr lang="en-US" noProof="0" smtClean="0"/>
               <a:pPr/>
-              <a:t>May 2, 2023</a:t>
+              <a:t>May 3, 2023</a:t>
             </a:fld>
             <a:endParaRPr lang="en-US" noProof="0" dirty="0"/>
           </a:p>
@@ -5267,7 +5267,7 @@
         <p:fade/>
       </p:transition>
     </mc:Choice>
-    <mc:Fallback xmlns:a16="http://schemas.microsoft.com/office/drawing/2014/main" xmlns="">
+    <mc:Fallback xmlns="" xmlns:a16="http://schemas.microsoft.com/office/drawing/2014/main">
       <p:transition spd="med">
         <p:fade/>
       </p:transition>
@@ -5935,7 +5935,7 @@
             <a:fld id="{B2016A11-4950-4F3F-938B-45DEE5F72969}" type="datetime4">
               <a:rPr lang="en-US" noProof="0" smtClean="0"/>
               <a:pPr/>
-              <a:t>May 2, 2023</a:t>
+              <a:t>May 3, 2023</a:t>
             </a:fld>
             <a:endParaRPr lang="en-US" noProof="0" dirty="0"/>
           </a:p>
@@ -5991,7 +5991,7 @@
         <p:fade/>
       </p:transition>
     </mc:Choice>
-    <mc:Fallback xmlns:a16="http://schemas.microsoft.com/office/drawing/2014/main" xmlns="">
+    <mc:Fallback xmlns="" xmlns:a16="http://schemas.microsoft.com/office/drawing/2014/main">
       <p:transition spd="med">
         <p:fade/>
       </p:transition>
@@ -6487,7 +6487,7 @@
             <a:fld id="{B2016A11-4950-4F3F-938B-45DEE5F72969}" type="datetime4">
               <a:rPr lang="en-US" noProof="0" smtClean="0"/>
               <a:pPr/>
-              <a:t>May 2, 2023</a:t>
+              <a:t>May 3, 2023</a:t>
             </a:fld>
             <a:endParaRPr lang="en-US" noProof="0" dirty="0"/>
           </a:p>
@@ -6543,7 +6543,7 @@
         <p:fade/>
       </p:transition>
     </mc:Choice>
-    <mc:Fallback xmlns:a16="http://schemas.microsoft.com/office/drawing/2014/main" xmlns="">
+    <mc:Fallback xmlns="" xmlns:a16="http://schemas.microsoft.com/office/drawing/2014/main">
       <p:transition spd="med">
         <p:fade/>
       </p:transition>
@@ -6721,7 +6721,7 @@
             <a:fld id="{B2016A11-4950-4F3F-938B-45DEE5F72969}" type="datetime4">
               <a:rPr lang="en-US" smtClean="0"/>
               <a:pPr/>
-              <a:t>May 2, 2023</a:t>
+              <a:t>May 3, 2023</a:t>
             </a:fld>
             <a:endParaRPr lang="en-US" dirty="0"/>
           </a:p>
@@ -7387,7 +7387,7 @@
         <p:fade/>
       </p:transition>
     </mc:Choice>
-    <mc:Fallback xmlns:a16="http://schemas.microsoft.com/office/drawing/2014/main" xmlns:a14="http://schemas.microsoft.com/office/drawing/2010/main" xmlns:asvg="http://schemas.microsoft.com/office/drawing/2016/SVG/main" xmlns="">
+    <mc:Fallback xmlns="" xmlns:asvg="http://schemas.microsoft.com/office/drawing/2016/SVG/main" xmlns:a14="http://schemas.microsoft.com/office/drawing/2010/main" xmlns:a16="http://schemas.microsoft.com/office/drawing/2014/main">
       <p:transition spd="med">
         <p:fade/>
       </p:transition>
@@ -7899,7 +7899,7 @@
             <a:fld id="{B2016A11-4950-4F3F-938B-45DEE5F72969}" type="datetime4">
               <a:rPr lang="en-US" noProof="0" smtClean="0"/>
               <a:pPr/>
-              <a:t>May 2, 2023</a:t>
+              <a:t>May 3, 2023</a:t>
             </a:fld>
             <a:endParaRPr lang="en-US" noProof="0" dirty="0"/>
           </a:p>
@@ -7955,7 +7955,7 @@
         <p:fade/>
       </p:transition>
     </mc:Choice>
-    <mc:Fallback xmlns:a16="http://schemas.microsoft.com/office/drawing/2014/main" xmlns="">
+    <mc:Fallback xmlns="" xmlns:a16="http://schemas.microsoft.com/office/drawing/2014/main">
       <p:transition spd="med">
         <p:fade/>
       </p:transition>
@@ -8514,7 +8514,7 @@
             <a:fld id="{B2016A11-4950-4F3F-938B-45DEE5F72969}" type="datetime4">
               <a:rPr lang="en-US" noProof="0" smtClean="0"/>
               <a:pPr/>
-              <a:t>May 2, 2023</a:t>
+              <a:t>May 3, 2023</a:t>
             </a:fld>
             <a:endParaRPr lang="en-US" noProof="0" dirty="0"/>
           </a:p>
@@ -8570,7 +8570,7 @@
         <p:fade/>
       </p:transition>
     </mc:Choice>
-    <mc:Fallback xmlns:a16="http://schemas.microsoft.com/office/drawing/2014/main" xmlns="">
+    <mc:Fallback xmlns="" xmlns:a16="http://schemas.microsoft.com/office/drawing/2014/main">
       <p:transition spd="med">
         <p:fade/>
       </p:transition>
@@ -9196,7 +9196,7 @@
             <a:fld id="{B2016A11-4950-4F3F-938B-45DEE5F72969}" type="datetime4">
               <a:rPr lang="en-US" noProof="0" smtClean="0"/>
               <a:pPr/>
-              <a:t>May 2, 2023</a:t>
+              <a:t>May 3, 2023</a:t>
             </a:fld>
             <a:endParaRPr lang="en-US" noProof="0" dirty="0"/>
           </a:p>
@@ -9252,7 +9252,7 @@
         <p:fade/>
       </p:transition>
     </mc:Choice>
-    <mc:Fallback xmlns:a16="http://schemas.microsoft.com/office/drawing/2014/main" xmlns="">
+    <mc:Fallback xmlns="" xmlns:a16="http://schemas.microsoft.com/office/drawing/2014/main">
       <p:transition spd="med">
         <p:fade/>
       </p:transition>
@@ -9878,7 +9878,7 @@
             <a:fld id="{B2016A11-4950-4F3F-938B-45DEE5F72969}" type="datetime4">
               <a:rPr lang="en-US" noProof="0" smtClean="0"/>
               <a:pPr/>
-              <a:t>May 2, 2023</a:t>
+              <a:t>May 3, 2023</a:t>
             </a:fld>
             <a:endParaRPr lang="en-US" noProof="0" dirty="0"/>
           </a:p>
@@ -9934,7 +9934,7 @@
         <p:fade/>
       </p:transition>
     </mc:Choice>
-    <mc:Fallback xmlns:a16="http://schemas.microsoft.com/office/drawing/2014/main" xmlns="">
+    <mc:Fallback xmlns="" xmlns:a16="http://schemas.microsoft.com/office/drawing/2014/main">
       <p:transition spd="med">
         <p:fade/>
       </p:transition>
@@ -10594,7 +10594,7 @@
             <a:fld id="{B2016A11-4950-4F3F-938B-45DEE5F72969}" type="datetime4">
               <a:rPr lang="en-US" noProof="0" smtClean="0"/>
               <a:pPr/>
-              <a:t>May 2, 2023</a:t>
+              <a:t>May 3, 2023</a:t>
             </a:fld>
             <a:endParaRPr lang="en-US" noProof="0"/>
           </a:p>
@@ -10742,7 +10742,7 @@
         <p:fade/>
       </p:transition>
     </mc:Choice>
-    <mc:Fallback xmlns:a16="http://schemas.microsoft.com/office/drawing/2014/main" xmlns="">
+    <mc:Fallback xmlns="" xmlns:a16="http://schemas.microsoft.com/office/drawing/2014/main">
       <p:transition spd="med">
         <p:fade/>
       </p:transition>
@@ -11210,7 +11210,7 @@
             <a:fld id="{B2016A11-4950-4F3F-938B-45DEE5F72969}" type="datetime4">
               <a:rPr lang="en-US" noProof="0" smtClean="0"/>
               <a:pPr/>
-              <a:t>May 2, 2023</a:t>
+              <a:t>May 3, 2023</a:t>
             </a:fld>
             <a:endParaRPr lang="en-US" noProof="0"/>
           </a:p>
@@ -11358,7 +11358,7 @@
         <p:fade/>
       </p:transition>
     </mc:Choice>
-    <mc:Fallback xmlns:a16="http://schemas.microsoft.com/office/drawing/2014/main" xmlns="">
+    <mc:Fallback xmlns="" xmlns:a16="http://schemas.microsoft.com/office/drawing/2014/main">
       <p:transition spd="med">
         <p:fade/>
       </p:transition>
@@ -12024,7 +12024,7 @@
             <a:fld id="{B2016A11-4950-4F3F-938B-45DEE5F72969}" type="datetime4">
               <a:rPr lang="en-US" noProof="0" smtClean="0"/>
               <a:pPr/>
-              <a:t>May 2, 2023</a:t>
+              <a:t>May 3, 2023</a:t>
             </a:fld>
             <a:endParaRPr lang="en-US" noProof="0"/>
           </a:p>
@@ -12080,7 +12080,7 @@
         <p:fade/>
       </p:transition>
     </mc:Choice>
-    <mc:Fallback xmlns:a16="http://schemas.microsoft.com/office/drawing/2014/main" xmlns="">
+    <mc:Fallback xmlns="" xmlns:a16="http://schemas.microsoft.com/office/drawing/2014/main">
       <p:transition spd="med">
         <p:fade/>
       </p:transition>
@@ -12331,7 +12331,7 @@
             <a:fld id="{B2016A11-4950-4F3F-938B-45DEE5F72969}" type="datetime4">
               <a:rPr lang="en-US" noProof="0" smtClean="0"/>
               <a:pPr/>
-              <a:t>May 2, 2023</a:t>
+              <a:t>May 3, 2023</a:t>
             </a:fld>
             <a:endParaRPr lang="en-US" noProof="0" dirty="0"/>
           </a:p>
@@ -12479,7 +12479,7 @@
         <p:fade/>
       </p:transition>
     </mc:Choice>
-    <mc:Fallback xmlns:a16="http://schemas.microsoft.com/office/drawing/2014/main" xmlns="">
+    <mc:Fallback xmlns="" xmlns:a16="http://schemas.microsoft.com/office/drawing/2014/main">
       <p:transition spd="med">
         <p:fade/>
       </p:transition>
@@ -12731,7 +12731,7 @@
             <a:fld id="{B2016A11-4950-4F3F-938B-45DEE5F72969}" type="datetime4">
               <a:rPr lang="en-US" noProof="0" smtClean="0"/>
               <a:pPr/>
-              <a:t>May 2, 2023</a:t>
+              <a:t>May 3, 2023</a:t>
             </a:fld>
             <a:endParaRPr lang="en-US" noProof="0"/>
           </a:p>
@@ -12823,7 +12823,7 @@
         <p:fade/>
       </p:transition>
     </mc:Choice>
-    <mc:Fallback xmlns:a16="http://schemas.microsoft.com/office/drawing/2014/main" xmlns:asvg="http://schemas.microsoft.com/office/drawing/2016/SVG/main" xmlns="">
+    <mc:Fallback xmlns="" xmlns:asvg="http://schemas.microsoft.com/office/drawing/2016/SVG/main" xmlns:a16="http://schemas.microsoft.com/office/drawing/2014/main">
       <p:transition spd="med">
         <p:fade/>
       </p:transition>
@@ -13075,7 +13075,7 @@
             <a:fld id="{B2016A11-4950-4F3F-938B-45DEE5F72969}" type="datetime4">
               <a:rPr lang="en-US" noProof="0" smtClean="0"/>
               <a:pPr/>
-              <a:t>May 2, 2023</a:t>
+              <a:t>May 3, 2023</a:t>
             </a:fld>
             <a:endParaRPr lang="en-US" noProof="0"/>
           </a:p>
@@ -13223,7 +13223,7 @@
         <p:fade/>
       </p:transition>
     </mc:Choice>
-    <mc:Fallback xmlns:a16="http://schemas.microsoft.com/office/drawing/2014/main" xmlns="">
+    <mc:Fallback xmlns="" xmlns:a16="http://schemas.microsoft.com/office/drawing/2014/main">
       <p:transition spd="med">
         <p:fade/>
       </p:transition>
@@ -13439,7 +13439,7 @@
             <a:fld id="{B2016A11-4950-4F3F-938B-45DEE5F72969}" type="datetime4">
               <a:rPr lang="en-US" smtClean="0"/>
               <a:pPr/>
-              <a:t>May 2, 2023</a:t>
+              <a:t>May 3, 2023</a:t>
             </a:fld>
             <a:endParaRPr lang="en-US" dirty="0"/>
           </a:p>
@@ -13999,7 +13999,7 @@
         <p:fade/>
       </p:transition>
     </mc:Choice>
-    <mc:Fallback xmlns:a16="http://schemas.microsoft.com/office/drawing/2014/main" xmlns:asvg="http://schemas.microsoft.com/office/drawing/2016/SVG/main" xmlns="">
+    <mc:Fallback xmlns="" xmlns:asvg="http://schemas.microsoft.com/office/drawing/2016/SVG/main" xmlns:a16="http://schemas.microsoft.com/office/drawing/2014/main">
       <p:transition spd="med">
         <p:fade/>
       </p:transition>
@@ -14251,7 +14251,7 @@
             <a:fld id="{B2016A11-4950-4F3F-938B-45DEE5F72969}" type="datetime4">
               <a:rPr lang="en-US" noProof="0" smtClean="0"/>
               <a:pPr/>
-              <a:t>May 2, 2023</a:t>
+              <a:t>May 3, 2023</a:t>
             </a:fld>
             <a:endParaRPr lang="en-US" noProof="0"/>
           </a:p>
@@ -14399,7 +14399,7 @@
         <p:fade/>
       </p:transition>
     </mc:Choice>
-    <mc:Fallback xmlns:a16="http://schemas.microsoft.com/office/drawing/2014/main" xmlns="">
+    <mc:Fallback xmlns="" xmlns:a16="http://schemas.microsoft.com/office/drawing/2014/main">
       <p:transition spd="med">
         <p:fade/>
       </p:transition>
@@ -14713,7 +14713,7 @@
             <a:fld id="{B2016A11-4950-4F3F-938B-45DEE5F72969}" type="datetime4">
               <a:rPr lang="en-US" noProof="0" smtClean="0"/>
               <a:pPr/>
-              <a:t>May 2, 2023</a:t>
+              <a:t>May 3, 2023</a:t>
             </a:fld>
             <a:endParaRPr lang="en-US" noProof="0"/>
           </a:p>
@@ -14861,7 +14861,7 @@
         <p:fade/>
       </p:transition>
     </mc:Choice>
-    <mc:Fallback xmlns:a16="http://schemas.microsoft.com/office/drawing/2014/main" xmlns="">
+    <mc:Fallback xmlns="" xmlns:a16="http://schemas.microsoft.com/office/drawing/2014/main">
       <p:transition spd="med">
         <p:fade/>
       </p:transition>
@@ -15402,7 +15402,7 @@
             <a:fld id="{B2016A11-4950-4F3F-938B-45DEE5F72969}" type="datetime4">
               <a:rPr lang="en-US" noProof="0" smtClean="0"/>
               <a:pPr/>
-              <a:t>May 2, 2023</a:t>
+              <a:t>May 3, 2023</a:t>
             </a:fld>
             <a:endParaRPr lang="en-US" noProof="0"/>
           </a:p>
@@ -15550,7 +15550,7 @@
         <p:fade/>
       </p:transition>
     </mc:Choice>
-    <mc:Fallback xmlns:a16="http://schemas.microsoft.com/office/drawing/2014/main" xmlns="">
+    <mc:Fallback xmlns="" xmlns:a16="http://schemas.microsoft.com/office/drawing/2014/main">
       <p:transition spd="med">
         <p:fade/>
       </p:transition>
@@ -15739,7 +15739,7 @@
             <a:fld id="{B2016A11-4950-4F3F-938B-45DEE5F72969}" type="datetime4">
               <a:rPr lang="en-US" noProof="0" smtClean="0"/>
               <a:pPr/>
-              <a:t>May 2, 2023</a:t>
+              <a:t>May 3, 2023</a:t>
             </a:fld>
             <a:endParaRPr lang="en-US" noProof="0"/>
           </a:p>
@@ -16052,7 +16052,7 @@
         <p:fade/>
       </p:transition>
     </mc:Choice>
-    <mc:Fallback xmlns:a16="http://schemas.microsoft.com/office/drawing/2014/main" xmlns="">
+    <mc:Fallback xmlns="" xmlns:a16="http://schemas.microsoft.com/office/drawing/2014/main">
       <p:transition spd="med">
         <p:fade/>
       </p:transition>
@@ -16198,7 +16198,7 @@
             <a:fld id="{B2016A11-4950-4F3F-938B-45DEE5F72969}" type="datetime4">
               <a:rPr lang="en-US" noProof="0" smtClean="0"/>
               <a:pPr/>
-              <a:t>May 2, 2023</a:t>
+              <a:t>May 3, 2023</a:t>
             </a:fld>
             <a:endParaRPr lang="en-US" noProof="0"/>
           </a:p>
@@ -16620,7 +16620,7 @@
         <p:fade/>
       </p:transition>
     </mc:Choice>
-    <mc:Fallback xmlns:a16="http://schemas.microsoft.com/office/drawing/2014/main" xmlns="">
+    <mc:Fallback xmlns="" xmlns:a16="http://schemas.microsoft.com/office/drawing/2014/main">
       <p:transition spd="med">
         <p:fade/>
       </p:transition>
@@ -17006,7 +17006,7 @@
             <a:fld id="{B2016A11-4950-4F3F-938B-45DEE5F72969}" type="datetime4">
               <a:rPr lang="en-US" noProof="0" smtClean="0"/>
               <a:pPr/>
-              <a:t>May 2, 2023</a:t>
+              <a:t>May 3, 2023</a:t>
             </a:fld>
             <a:endParaRPr lang="en-US" noProof="0"/>
           </a:p>
@@ -17187,7 +17187,7 @@
         <p:fade/>
       </p:transition>
     </mc:Choice>
-    <mc:Fallback xmlns:a16="http://schemas.microsoft.com/office/drawing/2014/main" xmlns="">
+    <mc:Fallback xmlns="" xmlns:a16="http://schemas.microsoft.com/office/drawing/2014/main">
       <p:transition spd="med">
         <p:fade/>
       </p:transition>
@@ -17706,7 +17706,7 @@
             <a:fld id="{B2016A11-4950-4F3F-938B-45DEE5F72969}" type="datetime4">
               <a:rPr lang="en-US" noProof="0" smtClean="0"/>
               <a:pPr/>
-              <a:t>May 2, 2023</a:t>
+              <a:t>May 3, 2023</a:t>
             </a:fld>
             <a:endParaRPr lang="en-US" noProof="0"/>
           </a:p>
@@ -17887,7 +17887,7 @@
         <p:fade/>
       </p:transition>
     </mc:Choice>
-    <mc:Fallback xmlns:a16="http://schemas.microsoft.com/office/drawing/2014/main" xmlns="">
+    <mc:Fallback xmlns="" xmlns:a16="http://schemas.microsoft.com/office/drawing/2014/main">
       <p:transition spd="med">
         <p:fade/>
       </p:transition>
@@ -18534,7 +18534,7 @@
             <a:fld id="{B2016A11-4950-4F3F-938B-45DEE5F72969}" type="datetime4">
               <a:rPr lang="en-US" noProof="0" smtClean="0"/>
               <a:pPr/>
-              <a:t>May 2, 2023</a:t>
+              <a:t>May 3, 2023</a:t>
             </a:fld>
             <a:endParaRPr lang="en-US" noProof="0"/>
           </a:p>
@@ -18715,7 +18715,7 @@
         <p:fade/>
       </p:transition>
     </mc:Choice>
-    <mc:Fallback xmlns:a16="http://schemas.microsoft.com/office/drawing/2014/main" xmlns="">
+    <mc:Fallback xmlns="" xmlns:a16="http://schemas.microsoft.com/office/drawing/2014/main">
       <p:transition spd="med">
         <p:fade/>
       </p:transition>
@@ -19493,7 +19493,7 @@
             <a:fld id="{B2016A11-4950-4F3F-938B-45DEE5F72969}" type="datetime4">
               <a:rPr lang="en-US" noProof="0" smtClean="0"/>
               <a:pPr/>
-              <a:t>May 2, 2023</a:t>
+              <a:t>May 3, 2023</a:t>
             </a:fld>
             <a:endParaRPr lang="en-US" noProof="0"/>
           </a:p>
@@ -19674,7 +19674,7 @@
         <p:fade/>
       </p:transition>
     </mc:Choice>
-    <mc:Fallback xmlns:a16="http://schemas.microsoft.com/office/drawing/2014/main" xmlns="">
+    <mc:Fallback xmlns="" xmlns:a16="http://schemas.microsoft.com/office/drawing/2014/main">
       <p:transition spd="med">
         <p:fade/>
       </p:transition>
@@ -20583,7 +20583,7 @@
             <a:fld id="{B2016A11-4950-4F3F-938B-45DEE5F72969}" type="datetime4">
               <a:rPr lang="en-US" noProof="0" smtClean="0"/>
               <a:pPr/>
-              <a:t>May 2, 2023</a:t>
+              <a:t>May 3, 2023</a:t>
             </a:fld>
             <a:endParaRPr lang="en-US" noProof="0"/>
           </a:p>
@@ -20764,7 +20764,7 @@
         <p:fade/>
       </p:transition>
     </mc:Choice>
-    <mc:Fallback xmlns:a16="http://schemas.microsoft.com/office/drawing/2014/main" xmlns="">
+    <mc:Fallback xmlns="" xmlns:a16="http://schemas.microsoft.com/office/drawing/2014/main">
       <p:transition spd="med">
         <p:fade/>
       </p:transition>
@@ -20940,7 +20940,7 @@
             <a:fld id="{B2016A11-4950-4F3F-938B-45DEE5F72969}" type="datetime4">
               <a:rPr lang="en-US" smtClean="0"/>
               <a:pPr/>
-              <a:t>May 2, 2023</a:t>
+              <a:t>May 3, 2023</a:t>
             </a:fld>
             <a:endParaRPr lang="en-US" dirty="0"/>
           </a:p>
@@ -21500,7 +21500,7 @@
         <p:fade/>
       </p:transition>
     </mc:Choice>
-    <mc:Fallback xmlns:a16="http://schemas.microsoft.com/office/drawing/2014/main" xmlns:asvg="http://schemas.microsoft.com/office/drawing/2016/SVG/main" xmlns="">
+    <mc:Fallback xmlns="" xmlns:asvg="http://schemas.microsoft.com/office/drawing/2016/SVG/main" xmlns:a16="http://schemas.microsoft.com/office/drawing/2014/main">
       <p:transition spd="med">
         <p:fade/>
       </p:transition>
@@ -22016,7 +22016,7 @@
             <a:fld id="{B2016A11-4950-4F3F-938B-45DEE5F72969}" type="datetime4">
               <a:rPr lang="en-US" noProof="0" smtClean="0"/>
               <a:pPr/>
-              <a:t>May 2, 2023</a:t>
+              <a:t>May 3, 2023</a:t>
             </a:fld>
             <a:endParaRPr lang="en-US" noProof="0"/>
           </a:p>
@@ -22164,7 +22164,7 @@
         <p:fade/>
       </p:transition>
     </mc:Choice>
-    <mc:Fallback xmlns:a16="http://schemas.microsoft.com/office/drawing/2014/main" xmlns="">
+    <mc:Fallback xmlns="" xmlns:a16="http://schemas.microsoft.com/office/drawing/2014/main">
       <p:transition spd="med">
         <p:fade/>
       </p:transition>
@@ -22349,7 +22349,7 @@
             <a:fld id="{B2016A11-4950-4F3F-938B-45DEE5F72969}" type="datetime4">
               <a:rPr lang="en-US" noProof="0" smtClean="0"/>
               <a:pPr/>
-              <a:t>May 2, 2023</a:t>
+              <a:t>May 3, 2023</a:t>
             </a:fld>
             <a:endParaRPr lang="en-US" noProof="0"/>
           </a:p>
@@ -22555,7 +22555,7 @@
         <p:fade/>
       </p:transition>
     </mc:Choice>
-    <mc:Fallback xmlns:a16="http://schemas.microsoft.com/office/drawing/2014/main" xmlns:asvg="http://schemas.microsoft.com/office/drawing/2016/SVG/main" xmlns="">
+    <mc:Fallback xmlns="" xmlns:asvg="http://schemas.microsoft.com/office/drawing/2016/SVG/main" xmlns:a16="http://schemas.microsoft.com/office/drawing/2014/main">
       <p:transition spd="med">
         <p:fade/>
       </p:transition>
@@ -23010,7 +23010,7 @@
             <a:fld id="{B2016A11-4950-4F3F-938B-45DEE5F72969}" type="datetime4">
               <a:rPr lang="en-US" noProof="0" smtClean="0"/>
               <a:pPr/>
-              <a:t>May 2, 2023</a:t>
+              <a:t>May 3, 2023</a:t>
             </a:fld>
             <a:endParaRPr lang="en-US" noProof="0"/>
           </a:p>
@@ -23066,7 +23066,7 @@
         <p:fade/>
       </p:transition>
     </mc:Choice>
-    <mc:Fallback xmlns:a16="http://schemas.microsoft.com/office/drawing/2014/main" xmlns="">
+    <mc:Fallback xmlns="" xmlns:a16="http://schemas.microsoft.com/office/drawing/2014/main">
       <p:transition spd="med">
         <p:fade/>
       </p:transition>
@@ -24019,7 +24019,7 @@
             <a:fld id="{B2016A11-4950-4F3F-938B-45DEE5F72969}" type="datetime4">
               <a:rPr lang="en-US" noProof="0" smtClean="0"/>
               <a:pPr/>
-              <a:t>May 2, 2023</a:t>
+              <a:t>May 3, 2023</a:t>
             </a:fld>
             <a:endParaRPr lang="en-US" noProof="0"/>
           </a:p>
@@ -24075,7 +24075,7 @@
         <p:fade/>
       </p:transition>
     </mc:Choice>
-    <mc:Fallback xmlns:a16="http://schemas.microsoft.com/office/drawing/2014/main" xmlns="">
+    <mc:Fallback xmlns="" xmlns:a16="http://schemas.microsoft.com/office/drawing/2014/main">
       <p:transition spd="med">
         <p:fade/>
       </p:transition>
@@ -24774,7 +24774,7 @@
             <a:fld id="{B2016A11-4950-4F3F-938B-45DEE5F72969}" type="datetime4">
               <a:rPr lang="en-US" noProof="0" smtClean="0"/>
               <a:pPr/>
-              <a:t>May 2, 2023</a:t>
+              <a:t>May 3, 2023</a:t>
             </a:fld>
             <a:endParaRPr lang="en-US" noProof="0"/>
           </a:p>
@@ -24922,7 +24922,7 @@
         <p:fade/>
       </p:transition>
     </mc:Choice>
-    <mc:Fallback xmlns:a16="http://schemas.microsoft.com/office/drawing/2014/main" xmlns="">
+    <mc:Fallback xmlns="" xmlns:a16="http://schemas.microsoft.com/office/drawing/2014/main">
       <p:transition spd="med">
         <p:fade/>
       </p:transition>
@@ -25755,7 +25755,7 @@
             <a:fld id="{B2016A11-4950-4F3F-938B-45DEE5F72969}" type="datetime4">
               <a:rPr lang="en-US" noProof="0" smtClean="0"/>
               <a:pPr/>
-              <a:t>May 2, 2023</a:t>
+              <a:t>May 3, 2023</a:t>
             </a:fld>
             <a:endParaRPr lang="en-US" noProof="0"/>
           </a:p>
@@ -25903,7 +25903,7 @@
         <p:fade/>
       </p:transition>
     </mc:Choice>
-    <mc:Fallback xmlns:a16="http://schemas.microsoft.com/office/drawing/2014/main" xmlns="">
+    <mc:Fallback xmlns="" xmlns:a16="http://schemas.microsoft.com/office/drawing/2014/main">
       <p:transition spd="med">
         <p:fade/>
       </p:transition>
@@ -26872,7 +26872,7 @@
             <a:fld id="{B2016A11-4950-4F3F-938B-45DEE5F72969}" type="datetime4">
               <a:rPr lang="en-US" noProof="0" smtClean="0"/>
               <a:pPr/>
-              <a:t>May 2, 2023</a:t>
+              <a:t>May 3, 2023</a:t>
             </a:fld>
             <a:endParaRPr lang="en-US" noProof="0"/>
           </a:p>
@@ -27020,7 +27020,7 @@
         <p:fade/>
       </p:transition>
     </mc:Choice>
-    <mc:Fallback xmlns:a16="http://schemas.microsoft.com/office/drawing/2014/main" xmlns="">
+    <mc:Fallback xmlns="" xmlns:a16="http://schemas.microsoft.com/office/drawing/2014/main">
       <p:transition spd="med">
         <p:fade/>
       </p:transition>
@@ -28396,7 +28396,7 @@
             <a:fld id="{B2016A11-4950-4F3F-938B-45DEE5F72969}" type="datetime4">
               <a:rPr lang="en-US" noProof="0" smtClean="0"/>
               <a:pPr/>
-              <a:t>May 2, 2023</a:t>
+              <a:t>May 3, 2023</a:t>
             </a:fld>
             <a:endParaRPr lang="en-US" noProof="0"/>
           </a:p>
@@ -28544,7 +28544,7 @@
         <p:fade/>
       </p:transition>
     </mc:Choice>
-    <mc:Fallback xmlns:a16="http://schemas.microsoft.com/office/drawing/2014/main" xmlns="">
+    <mc:Fallback xmlns="" xmlns:a16="http://schemas.microsoft.com/office/drawing/2014/main">
       <p:transition spd="med">
         <p:fade/>
       </p:transition>
@@ -29033,7 +29033,7 @@
             <a:fld id="{B2016A11-4950-4F3F-938B-45DEE5F72969}" type="datetime4">
               <a:rPr lang="en-US" noProof="0" smtClean="0"/>
               <a:pPr/>
-              <a:t>May 2, 2023</a:t>
+              <a:t>May 3, 2023</a:t>
             </a:fld>
             <a:endParaRPr lang="en-US" noProof="0"/>
           </a:p>
@@ -29181,7 +29181,7 @@
         <p:fade/>
       </p:transition>
     </mc:Choice>
-    <mc:Fallback xmlns:a16="http://schemas.microsoft.com/office/drawing/2014/main" xmlns="">
+    <mc:Fallback xmlns="" xmlns:a16="http://schemas.microsoft.com/office/drawing/2014/main">
       <p:transition spd="med">
         <p:fade/>
       </p:transition>
@@ -30730,7 +30730,7 @@
             <a:fld id="{B2016A11-4950-4F3F-938B-45DEE5F72969}" type="datetime4">
               <a:rPr lang="en-US" noProof="0" smtClean="0"/>
               <a:pPr/>
-              <a:t>May 2, 2023</a:t>
+              <a:t>May 3, 2023</a:t>
             </a:fld>
             <a:endParaRPr lang="en-US" noProof="0"/>
           </a:p>
@@ -30786,7 +30786,7 @@
         <p:fade/>
       </p:transition>
     </mc:Choice>
-    <mc:Fallback xmlns:a16="http://schemas.microsoft.com/office/drawing/2014/main" xmlns="">
+    <mc:Fallback xmlns="" xmlns:a16="http://schemas.microsoft.com/office/drawing/2014/main">
       <p:transition spd="med">
         <p:fade/>
       </p:transition>
@@ -31173,7 +31173,7 @@
             <a:fld id="{B2016A11-4950-4F3F-938B-45DEE5F72969}" type="datetime4">
               <a:rPr lang="en-US" smtClean="0"/>
               <a:pPr/>
-              <a:t>May 2, 2023</a:t>
+              <a:t>May 3, 2023</a:t>
             </a:fld>
             <a:endParaRPr lang="en-US" dirty="0"/>
           </a:p>
@@ -31669,7 +31669,7 @@
         <p:fade/>
       </p:transition>
     </mc:Choice>
-    <mc:Fallback xmlns:a16="http://schemas.microsoft.com/office/drawing/2014/main" xmlns:asvg="http://schemas.microsoft.com/office/drawing/2016/SVG/main" xmlns="">
+    <mc:Fallback xmlns="" xmlns:asvg="http://schemas.microsoft.com/office/drawing/2016/SVG/main" xmlns:a16="http://schemas.microsoft.com/office/drawing/2014/main">
       <p:transition spd="med">
         <p:fade/>
       </p:transition>
@@ -33722,7 +33722,7 @@
             <a:fld id="{B2016A11-4950-4F3F-938B-45DEE5F72969}" type="datetime4">
               <a:rPr lang="en-US" noProof="0" smtClean="0"/>
               <a:pPr/>
-              <a:t>May 2, 2023</a:t>
+              <a:t>May 3, 2023</a:t>
             </a:fld>
             <a:endParaRPr lang="en-US" noProof="0"/>
           </a:p>
@@ -33778,7 +33778,7 @@
         <p:fade/>
       </p:transition>
     </mc:Choice>
-    <mc:Fallback xmlns:a16="http://schemas.microsoft.com/office/drawing/2014/main" xmlns="">
+    <mc:Fallback xmlns="" xmlns:a16="http://schemas.microsoft.com/office/drawing/2014/main">
       <p:transition spd="med">
         <p:fade/>
       </p:transition>
@@ -35322,7 +35322,7 @@
             <a:fld id="{B2016A11-4950-4F3F-938B-45DEE5F72969}" type="datetime4">
               <a:rPr lang="en-US" noProof="0" smtClean="0"/>
               <a:pPr/>
-              <a:t>May 2, 2023</a:t>
+              <a:t>May 3, 2023</a:t>
             </a:fld>
             <a:endParaRPr lang="en-US" noProof="0"/>
           </a:p>
@@ -35378,7 +35378,7 @@
         <p:fade/>
       </p:transition>
     </mc:Choice>
-    <mc:Fallback xmlns:a16="http://schemas.microsoft.com/office/drawing/2014/main" xmlns="">
+    <mc:Fallback xmlns="" xmlns:a16="http://schemas.microsoft.com/office/drawing/2014/main">
       <p:transition spd="med">
         <p:fade/>
       </p:transition>
@@ -37709,7 +37709,7 @@
             <a:fld id="{B2016A11-4950-4F3F-938B-45DEE5F72969}" type="datetime4">
               <a:rPr lang="en-US" noProof="0" smtClean="0"/>
               <a:pPr/>
-              <a:t>May 2, 2023</a:t>
+              <a:t>May 3, 2023</a:t>
             </a:fld>
             <a:endParaRPr lang="en-US" noProof="0"/>
           </a:p>
@@ -37765,7 +37765,7 @@
         <p:fade/>
       </p:transition>
     </mc:Choice>
-    <mc:Fallback xmlns:a16="http://schemas.microsoft.com/office/drawing/2014/main" xmlns="">
+    <mc:Fallback xmlns="" xmlns:a16="http://schemas.microsoft.com/office/drawing/2014/main">
       <p:transition spd="med">
         <p:fade/>
       </p:transition>
@@ -37921,7 +37921,7 @@
             <a:fld id="{B2016A11-4950-4F3F-938B-45DEE5F72969}" type="datetime4">
               <a:rPr lang="en-US" noProof="0" smtClean="0"/>
               <a:pPr/>
-              <a:t>May 2, 2023</a:t>
+              <a:t>May 3, 2023</a:t>
             </a:fld>
             <a:endParaRPr lang="en-US" noProof="0"/>
           </a:p>
@@ -37977,7 +37977,7 @@
         <p:fade/>
       </p:transition>
     </mc:Choice>
-    <mc:Fallback xmlns:a16="http://schemas.microsoft.com/office/drawing/2014/main" xmlns="">
+    <mc:Fallback xmlns="" xmlns:a16="http://schemas.microsoft.com/office/drawing/2014/main">
       <p:transition spd="med">
         <p:fade/>
       </p:transition>
@@ -38097,7 +38097,7 @@
         <p:fade/>
       </p:transition>
     </mc:Choice>
-    <mc:Fallback xmlns:a16="http://schemas.microsoft.com/office/drawing/2014/main" xmlns:asvg="http://schemas.microsoft.com/office/drawing/2016/SVG/main" xmlns="">
+    <mc:Fallback xmlns="" xmlns:asvg="http://schemas.microsoft.com/office/drawing/2016/SVG/main" xmlns:a16="http://schemas.microsoft.com/office/drawing/2014/main">
       <p:transition spd="med">
         <p:fade/>
       </p:transition>
@@ -39888,7 +39888,7 @@
           <a:p>
             <a:fld id="{AD27C8A6-3124-4A11-900D-2C649BB3C7C9}" type="datetime4">
               <a:rPr lang="en-GB" smtClean="0"/>
-              <a:t>02 May 2023</a:t>
+              <a:t>03 May 2023</a:t>
             </a:fld>
             <a:endParaRPr lang="en-GB" dirty="0"/>
           </a:p>
@@ -41100,7 +41100,7 @@
         <p:fade/>
       </p:transition>
     </mc:Choice>
-    <mc:Fallback xmlns:a16="http://schemas.microsoft.com/office/drawing/2014/main" xmlns:a14="http://schemas.microsoft.com/office/drawing/2010/main" xmlns="">
+    <mc:Fallback xmlns="" xmlns:a14="http://schemas.microsoft.com/office/drawing/2010/main" xmlns:a16="http://schemas.microsoft.com/office/drawing/2014/main">
       <p:transition spd="med">
         <p:fade/>
       </p:transition>
@@ -41657,7 +41657,7 @@
           <a:p>
             <a:fld id="{6F52A3B9-C46E-47C2-A1FB-F5434525BDF4}" type="datetime4">
               <a:rPr lang="en-GB" smtClean="0"/>
-              <a:t>02 May 2023</a:t>
+              <a:t>03 May 2023</a:t>
             </a:fld>
             <a:endParaRPr lang="en-GB" dirty="0"/>
           </a:p>
@@ -41756,7 +41756,7 @@
         <p:fade/>
       </p:transition>
     </mc:Choice>
-    <mc:Fallback xmlns:a16="http://schemas.microsoft.com/office/drawing/2014/main" xmlns="">
+    <mc:Fallback xmlns="" xmlns:a16="http://schemas.microsoft.com/office/drawing/2014/main">
       <p:transition spd="med">
         <p:fade/>
       </p:transition>
@@ -42102,7 +42102,7 @@
             <a:fld id="{B2016A11-4950-4F3F-938B-45DEE5F72969}" type="datetime4">
               <a:rPr lang="en-US" smtClean="0"/>
               <a:pPr/>
-              <a:t>May 2, 2023</a:t>
+              <a:t>May 3, 2023</a:t>
             </a:fld>
             <a:endParaRPr lang="en-US" dirty="0"/>
           </a:p>
@@ -42598,7 +42598,7 @@
         <p:fade/>
       </p:transition>
     </mc:Choice>
-    <mc:Fallback xmlns:a16="http://schemas.microsoft.com/office/drawing/2014/main" xmlns:asvg="http://schemas.microsoft.com/office/drawing/2016/SVG/main" xmlns="">
+    <mc:Fallback xmlns="" xmlns:asvg="http://schemas.microsoft.com/office/drawing/2016/SVG/main" xmlns:a16="http://schemas.microsoft.com/office/drawing/2014/main">
       <p:transition spd="med">
         <p:fade/>
       </p:transition>
@@ -42719,7 +42719,7 @@
         <p:fade/>
       </p:transition>
     </mc:Choice>
-    <mc:Fallback xmlns:a16="http://schemas.microsoft.com/office/drawing/2014/main" xmlns="">
+    <mc:Fallback xmlns="" xmlns:a16="http://schemas.microsoft.com/office/drawing/2014/main">
       <p:transition spd="med">
         <p:fade/>
       </p:transition>
@@ -42809,7 +42809,7 @@
         <p:fade/>
       </p:transition>
     </mc:Choice>
-    <mc:Fallback xmlns:a16="http://schemas.microsoft.com/office/drawing/2014/main" xmlns="">
+    <mc:Fallback xmlns="" xmlns:a16="http://schemas.microsoft.com/office/drawing/2014/main">
       <p:transition spd="med">
         <p:fade/>
       </p:transition>
@@ -43089,7 +43089,7 @@
             <a:fld id="{B2016A11-4950-4F3F-938B-45DEE5F72969}" type="datetime4">
               <a:rPr lang="en-US" smtClean="0"/>
               <a:pPr/>
-              <a:t>May 2, 2023</a:t>
+              <a:t>May 3, 2023</a:t>
             </a:fld>
             <a:endParaRPr lang="en-US" dirty="0"/>
           </a:p>
@@ -43145,7 +43145,7 @@
         <p:fade/>
       </p:transition>
     </mc:Choice>
-    <mc:Fallback xmlns:a16="http://schemas.microsoft.com/office/drawing/2014/main" xmlns="">
+    <mc:Fallback xmlns="" xmlns:a16="http://schemas.microsoft.com/office/drawing/2014/main">
       <p:transition spd="med">
         <p:fade/>
       </p:transition>
@@ -43394,7 +43394,7 @@
             <a:fld id="{B2016A11-4950-4F3F-938B-45DEE5F72969}" type="datetime4">
               <a:rPr lang="en-US" smtClean="0"/>
               <a:pPr/>
-              <a:t>May 2, 2023</a:t>
+              <a:t>May 3, 2023</a:t>
             </a:fld>
             <a:endParaRPr lang="en-US" dirty="0"/>
           </a:p>
@@ -43925,7 +43925,7 @@
         <p:fade/>
       </p:transition>
     </mc:Choice>
-    <mc:Fallback xmlns:p15="http://schemas.microsoft.com/office/powerpoint/2012/main" xmlns:asvg="http://schemas.microsoft.com/office/drawing/2016/SVG/main" xmlns:a16="http://schemas.microsoft.com/office/drawing/2014/main" xmlns="">
+    <mc:Fallback xmlns="" xmlns:a16="http://schemas.microsoft.com/office/drawing/2014/main" xmlns:asvg="http://schemas.microsoft.com/office/drawing/2016/SVG/main" xmlns:p15="http://schemas.microsoft.com/office/powerpoint/2012/main">
       <p:transition spd="med">
         <p:fade/>
       </p:transition>
@@ -44455,7 +44455,7 @@
             <a:fld id="{B2016A11-4950-4F3F-938B-45DEE5F72969}" type="datetime4">
               <a:rPr lang="en-US" smtClean="0"/>
               <a:pPr/>
-              <a:t>May 2, 2023</a:t>
+              <a:t>May 3, 2023</a:t>
             </a:fld>
             <a:endParaRPr lang="en-US" dirty="0"/>
           </a:p>
@@ -44540,7 +44540,7 @@
         <p:fade/>
       </p:transition>
     </mc:Choice>
-    <mc:Fallback xmlns:a16="http://schemas.microsoft.com/office/drawing/2014/main" xmlns="">
+    <mc:Fallback xmlns="" xmlns:a16="http://schemas.microsoft.com/office/drawing/2014/main">
       <p:transition spd="med">
         <p:fade/>
       </p:transition>
@@ -44628,7 +44628,7 @@
             <a:fld id="{B2016A11-4950-4F3F-938B-45DEE5F72969}" type="datetime4">
               <a:rPr lang="en-US" noProof="0" smtClean="0"/>
               <a:pPr/>
-              <a:t>May 2, 2023</a:t>
+              <a:t>May 3, 2023</a:t>
             </a:fld>
             <a:endParaRPr lang="en-US" noProof="0" dirty="0"/>
           </a:p>
@@ -44693,7 +44693,7 @@
         <p:fade/>
       </p:transition>
     </mc:Choice>
-    <mc:Fallback xmlns:a16="http://schemas.microsoft.com/office/drawing/2014/main" xmlns="">
+    <mc:Fallback xmlns="" xmlns:a16="http://schemas.microsoft.com/office/drawing/2014/main">
       <p:transition spd="med">
         <p:fade/>
       </p:transition>
@@ -44806,7 +44806,95 @@
           <a:bodyPr/>
           <a:lstStyle/>
           <a:p>
-            <a:endParaRPr lang="it-IT"/>
+            <a:r>
+              <a:rPr lang="it-IT" dirty="0"/>
+              <a:t>Unito </a:t>
+            </a:r>
+            <a:r>
+              <a:rPr lang="it-IT" dirty="0" err="1"/>
+              <a:t>train</a:t>
+            </a:r>
+            <a:r>
+              <a:rPr lang="it-IT" dirty="0"/>
+              <a:t> e test per fare analisi sull’intero dataset</a:t>
+            </a:r>
+          </a:p>
+          <a:p>
+            <a:r>
+              <a:rPr lang="it-IT" dirty="0"/>
+              <a:t>Data </a:t>
+            </a:r>
+            <a:r>
+              <a:rPr lang="it-IT" dirty="0" err="1"/>
+              <a:t>cleaning</a:t>
+            </a:r>
+            <a:r>
+              <a:rPr lang="it-IT" dirty="0"/>
+              <a:t>: duplicati nel dataset, </a:t>
+            </a:r>
+            <a:r>
+              <a:rPr lang="it-IT" dirty="0" err="1"/>
+              <a:t>missing</a:t>
+            </a:r>
+            <a:r>
+              <a:rPr lang="it-IT" dirty="0"/>
+              <a:t> </a:t>
+            </a:r>
+            <a:r>
+              <a:rPr lang="it-IT" dirty="0" err="1"/>
+              <a:t>timestamp</a:t>
+            </a:r>
+            <a:endParaRPr lang="it-IT" dirty="0"/>
+          </a:p>
+          <a:p>
+            <a:r>
+              <a:rPr lang="it-IT" dirty="0" err="1"/>
+              <a:t>Outlier</a:t>
+            </a:r>
+            <a:r>
+              <a:rPr lang="it-IT" dirty="0"/>
+              <a:t> </a:t>
+            </a:r>
+            <a:r>
+              <a:rPr lang="it-IT" dirty="0" err="1"/>
+              <a:t>detection</a:t>
+            </a:r>
+            <a:r>
+              <a:rPr lang="it-IT" dirty="0"/>
+              <a:t>: </a:t>
+            </a:r>
+            <a:r>
+              <a:rPr lang="it-IT" dirty="0" err="1"/>
+              <a:t>Interquantile</a:t>
+            </a:r>
+            <a:r>
+              <a:rPr lang="it-IT" dirty="0"/>
+              <a:t>, z-score (grafico con potenza e temperatura e </a:t>
+            </a:r>
+            <a:r>
+              <a:rPr lang="it-IT" dirty="0" err="1"/>
+              <a:t>scatter</a:t>
+            </a:r>
+            <a:r>
+              <a:rPr lang="it-IT" dirty="0"/>
+              <a:t> plot), DBSCAN, intervalli di temperatura(grafico con potenza e temperatura e </a:t>
+            </a:r>
+            <a:r>
+              <a:rPr lang="it-IT" dirty="0" err="1"/>
+              <a:t>scatter</a:t>
+            </a:r>
+            <a:r>
+              <a:rPr lang="it-IT" dirty="0"/>
+              <a:t> plot + MAPE </a:t>
+            </a:r>
+            <a:r>
+              <a:rPr lang="it-IT" dirty="0" err="1"/>
+              <a:t>bench</a:t>
+            </a:r>
+            <a:r>
+              <a:rPr lang="it-IT" dirty="0"/>
+              <a:t>)</a:t>
+            </a:r>
           </a:p>
         </p:txBody>
       </p:sp>
@@ -44826,7 +44914,7 @@
         <p:fade/>
       </p:transition>
     </mc:Choice>
-    <mc:Fallback xmlns:a16="http://schemas.microsoft.com/office/drawing/2014/main" xmlns="">
+    <mc:Fallback xmlns="" xmlns:a16="http://schemas.microsoft.com/office/drawing/2014/main">
       <p:transition spd="med">
         <p:fade/>
       </p:transition>
@@ -44944,7 +45032,35 @@
           <a:bodyPr/>
           <a:lstStyle/>
           <a:p>
-            <a:endParaRPr lang="it-IT"/>
+            <a:r>
+              <a:rPr lang="it-IT" dirty="0" err="1"/>
+              <a:t>Heatmap</a:t>
+            </a:r>
+            <a:endParaRPr lang="it-IT" dirty="0"/>
+          </a:p>
+          <a:p>
+            <a:r>
+              <a:rPr lang="it-IT" dirty="0"/>
+              <a:t>Valutazione del KMEANS con SH e DB</a:t>
+            </a:r>
+          </a:p>
+          <a:p>
+            <a:r>
+              <a:rPr lang="it-IT" dirty="0"/>
+              <a:t>Visualizzazione dei cluster con 2/3/4 cluster</a:t>
+            </a:r>
+          </a:p>
+          <a:p>
+            <a:r>
+              <a:rPr lang="it-IT" dirty="0"/>
+              <a:t>Cluster temperatura (opzionale)</a:t>
+            </a:r>
+          </a:p>
+          <a:p>
+            <a:r>
+              <a:rPr lang="it-IT" dirty="0"/>
+              <a:t>Visualizzazione dei tentativi cluster gerarchico</a:t>
+            </a:r>
           </a:p>
         </p:txBody>
       </p:sp>
@@ -44958,13 +45074,13 @@
   <p:clrMapOvr>
     <a:masterClrMapping/>
   </p:clrMapOvr>
-  <mc:AlternateContent xmlns:mc="http://schemas.openxmlformats.org/markup-compatibility/2006">
-    <mc:Choice xmlns:p14="http://schemas.microsoft.com/office/powerpoint/2010/main" Requires="p14">
+  <mc:AlternateContent xmlns:mc="http://schemas.openxmlformats.org/markup-compatibility/2006" xmlns:p14="http://schemas.microsoft.com/office/powerpoint/2010/main">
+    <mc:Choice Requires="p14">
       <p:transition spd="med" p14:dur="700">
         <p:fade/>
       </p:transition>
     </mc:Choice>
-    <mc:Fallback>
+    <mc:Fallback xmlns="">
       <p:transition spd="med">
         <p:fade/>
       </p:transition>
@@ -45074,7 +45190,64 @@
           <a:bodyPr/>
           <a:lstStyle/>
           <a:p>
-            <a:endParaRPr lang="it-IT"/>
+            <a:r>
+              <a:rPr lang="it-IT" dirty="0"/>
+              <a:t>Features aggiunte (giorno della settimana, ore) per identificare i giorni feriali e festivi mentre le ore per capire la giornata e la notte</a:t>
+            </a:r>
+          </a:p>
+          <a:p>
+            <a:r>
+              <a:rPr lang="it-IT" dirty="0" err="1"/>
+              <a:t>RandomForest</a:t>
+            </a:r>
+            <a:r>
+              <a:rPr lang="it-IT" dirty="0"/>
+              <a:t> model per benchmarking</a:t>
+            </a:r>
+          </a:p>
+          <a:p>
+            <a:r>
+              <a:rPr lang="it-IT" dirty="0"/>
+              <a:t>Metriche di valutazione</a:t>
+            </a:r>
+          </a:p>
+          <a:p>
+            <a:r>
+              <a:rPr lang="it-IT" dirty="0"/>
+              <a:t>Grafico completo del </a:t>
+            </a:r>
+            <a:r>
+              <a:rPr lang="it-IT" dirty="0" err="1"/>
+              <a:t>bench</a:t>
+            </a:r>
+            <a:r>
+              <a:rPr lang="it-IT" dirty="0"/>
+              <a:t> +  </a:t>
+            </a:r>
+            <a:r>
+              <a:rPr lang="it-IT" dirty="0" err="1"/>
+              <a:t>scatter</a:t>
+            </a:r>
+            <a:endParaRPr lang="it-IT" dirty="0"/>
+          </a:p>
+          <a:p>
+            <a:r>
+              <a:rPr lang="it-IT" dirty="0"/>
+              <a:t>Visualizzazione del grafico distribuzione dell’errore con spiegazione</a:t>
+            </a:r>
+          </a:p>
+          <a:p>
+            <a:r>
+              <a:rPr lang="it-IT" dirty="0"/>
+              <a:t>Intervallo di confidenza con under e over </a:t>
+            </a:r>
+            <a:r>
+              <a:rPr lang="it-IT"/>
+              <a:t>consamp</a:t>
+            </a:r>
+          </a:p>
+          <a:p>
+            <a:endParaRPr lang="it-IT" dirty="0"/>
           </a:p>
         </p:txBody>
       </p:sp>
@@ -45088,13 +45261,13 @@
   <p:clrMapOvr>
     <a:masterClrMapping/>
   </p:clrMapOvr>
-  <mc:AlternateContent xmlns:mc="http://schemas.openxmlformats.org/markup-compatibility/2006">
-    <mc:Choice xmlns:p14="http://schemas.microsoft.com/office/powerpoint/2010/main" Requires="p14">
+  <mc:AlternateContent xmlns:mc="http://schemas.openxmlformats.org/markup-compatibility/2006" xmlns:p14="http://schemas.microsoft.com/office/powerpoint/2010/main">
+    <mc:Choice Requires="p14">
       <p:transition spd="med" p14:dur="700">
         <p:fade/>
       </p:transition>
     </mc:Choice>
-    <mc:Fallback>
+    <mc:Fallback xmlns="">
       <p:transition spd="med">
         <p:fade/>
       </p:transition>
@@ -45986,153 +46159,6 @@
 </file>
 
 <file path=customXml/item10.xml><?xml version="1.0" encoding="utf-8"?>
-<TemplafySlideFormConfiguration><![CDATA[{"formFields":[],"formDataEntries":[]}]]></TemplafySlideFormConfiguration>
-</file>
-
-<file path=customXml/item11.xml><?xml version="1.0" encoding="utf-8"?>
-<TemplafySlideFormConfiguration><![CDATA[{"formFields":[],"formDataEntries":[]}]]></TemplafySlideFormConfiguration>
-</file>
-
-<file path=customXml/item12.xml><?xml version="1.0" encoding="utf-8"?>
-<TemplafyFormConfiguration><![CDATA[{"formFields":[{"required":false,"placeholder":"","lines":1,"defaultValue":"","shareValue":false,"type":"textBox","name":"DocumentID","label":"Document ID"},{"required":false,"placeholder":"","lines":1,"defaultValue":"","shareValue":false,"type":"textBox","name":"DocumentTitle","label":"Document Title"},{"required":false,"placeholder":"","lines":1,"shareValue":false,"type":"textBox","name":"ProjectName","label":"Project Name"},{"required":false,"maxLength":10,"placeholder":"","lines":1,"defaultValue":"","shareValue":false,"type":"textBox","name":"Revision","label":"Revision"},{"required":false,"shareValue":false,"type":"datePicker","name":"ApprovalDate","label":"Approval Date"},{"required":false,"placeholder":"","lines":1,"shareValue":false,"type":"textBox","name":"ApprovedByPerson","label":"Approved By Person"},{"required":false,"shareValue":false,"type":"datePicker","name":"PreparedDate","label":"Prepared Date"},{"required":false,"placeholder":"","lines":1,"defaultValue":"","shareValue":false,"type":"textBox","name":"PreparedByPerson","label":"Prepared By Person"},{"distinct":false,"hideIfNoUserInteractionRequired":false,"required":false,"defaultValue":"Presentation","autoSelectFirstOption":false,"shareValue":false,"type":"dropDown","dataSourceName":"DocumentKinds","dataSourceFieldName":"DocumentKind","name":"DocumentKind","label":"Document Kind"},{"distinct":false,"hideIfNoUserInteractionRequired":false,"required":false,"defaultValue":"enUS - English, using US adapted terminology","autoSelectFirstOption":false,"shareValue":false,"type":"dropDown","dataSourceName":"LanguageCodes","dataSourceFieldName":"Name","name":"Language","label":"Language"},{"distinct":false,"hideIfNoUserInteractionRequired":false,"required":false,"defaultValue":"Draft","autoSelectFirstOption":false,"shareValue":false,"type":"dropDown","dataSourceName":"LifeCycleStatus","dataSourceFieldName":"Name","name":"LifeCycleStatus","label":"Life Cycle Status"},{"required":false,"placeholder":"","lines":1,"defaultValue":"","shareValue":false,"type":"textBox","name":"OwningOrganization","label":"Owning Organization"},{"distinct":false,"hideIfNoUserInteractionRequired":false,"required":false,"defaultValue":"1 Blank / No selection","autoSelectFirstOption":false,"shareValue":false,"type":"dropDown","dataSourceName":"SecurityLevels","dataSourceFieldName":"Name","name":"SecurityLevel","label":"Security Level"}],"formDataEntries":[{"name":"DocumentKind","value":"lkfV49ZDsob5Bh/OcSBVgcFiYOf7BZZEAIO3+yuOAZE="},{"name":"LifeCycleStatus","value":"QnWOujKLJp1RvJFaXvBl6HPTKUr9NiUrF8/eA/+Hz0E="},{"name":"SecurityLevel","value":"AjUfbU7fcmJ9ahnATTBBemZ2fau3JMwZtl4s3Acf4Qc="}]}]]></TemplafyFormConfiguration>
-</file>
-
-<file path=customXml/item13.xml><?xml version="1.0" encoding="utf-8"?>
-<Update>
-  <Cmd case="SkabelonDesign.DocumentData:DefineData" variableName="DocumentRevisionIdLabelAndValue">
-    <Doc.CustomXml.ABB_Coll_DocumentRevisionId>
-      <s><![CDATA[Rev.: ]]></s>
-      <Doc.CustomXml.ABB_Coll_DocumentRevisionId/>
-    </Doc.CustomXml.ABB_Coll_DocumentRevisionId>
-    <s/>
-  </Cmd>
-  <Cmd case="SkabelonDesign.DocumentData:DefineData" variableName="PPMetadata">
-    <Doc.CustomXml.ABB_Coll_DocumentId>
-      <s><![CDATA[Document ID: ]]></s>
-      <Doc.CustomXml.ABB_Coll_DocumentId/>
-    </Doc.CustomXml.ABB_Coll_DocumentId>
-    <s/>
-  </Cmd>
-  <Cmd case="SkabelonDesign.DocumentData:DefineData" variableName="SecurityLevel">
-    <Doc.CustomXml.ABB_Coll_SecurityLevel>
-      <Doc.CustomXml.ABB_Coll_SecurityLevel/>
-    </Doc.CustomXml.ABB_Coll_SecurityLevel>
-    <s/>
-  </Cmd>
-  <Cmd case="BaseExtensions:If" if-1-type="DOCUMENTDATA" if-1-key="SecurityLevel" if-1-value="Internal">
-    <True>
-      <Cmd case="BaseExtensions:show-hide-pp" show="True" ShapeNames="Internal"/>
-      <Cmd case="BaseExtensions:show-hide-pp" show="False" ShapeNames="Confidential"/>
-      <Cmd case="BaseExtensions:show-hide-pp" show="False" ShapeNames="Strictly"/>
-      <Cmd case="BaseExtensions:show-hide-pp" show="False" ShapeNames="Public"/>
-    </True>
-  </Cmd>
-  <Cmd case="BaseExtensions:If" if-1-type="DOCUMENTDATA" if-1-key="SecurityLevel" if-1-value="Confidential">
-    <True>
-      <Cmd case="BaseExtensions:show-hide-pp" show="False" ShapeNames="Internal"/>
-      <Cmd case="BaseExtensions:show-hide-pp" show="True" ShapeNames="Confidential"/>
-      <Cmd case="BaseExtensions:show-hide-pp" show="False" ShapeNames="Strictly"/>
-      <Cmd case="BaseExtensions:show-hide-pp" show="False" ShapeNames="Public"/>
-    </True>
-  </Cmd>
-  <Cmd case="BaseExtensions:If" if-1-type="DOCUMENTDATA" if-1-key="SecurityLevel" if-1-value="Strictly Confidential">
-    <True>
-      <Cmd case="BaseExtensions:show-hide-pp" show="False" ShapeNames="Internal"/>
-      <Cmd case="BaseExtensions:show-hide-pp" show="False" ShapeNames="Confidential"/>
-      <Cmd case="BaseExtensions:show-hide-pp" show="True" ShapeNames="Strictly"/>
-      <Cmd case="BaseExtensions:show-hide-pp" show="False" ShapeNames="Public"/>
-    </True>
-  </Cmd>
-  <Cmd case="BaseExtensions:If" if-1-type="DOCUMENTDATA" if-1-key="SecurityLevel" if-1-value="Public">
-    <True>
-      <Cmd case="BaseExtensions:show-hide-pp" show="False" ShapeNames="Internal"/>
-      <Cmd case="BaseExtensions:show-hide-pp" show="False" ShapeNames="Confidential"/>
-      <Cmd case="BaseExtensions:show-hide-pp" show="False" ShapeNames="Strictly"/>
-      <Cmd case="BaseExtensions:show-hide-pp" show="True" ShapeNames="Public"/>
-    </True>
-  </Cmd>
-  <Cmd case="BaseExtensions:If" if-1-type="docpropmap" if-1-key="TemplafyTenantId" if-1-value="+abb">
-    <True>
-      <Cmd case="BaseExtensions:find-shape-bring-to-front" copyDelete="true" layout-1-name="Cover C" shape-1-name-1="Revision" shape-1-name-2="Copyright" shape-1-name-3="DocumentID" shape-1-name-4="Logo" shape-1-name-5="Classification" layout-2-name="Cover D" shape-2-name-1="Revision" shape-2-name-2="Copyright" shape-2-name-3="DocumentID" shape-2-name-4="Logo" shape-2-name-5="Classification" layout-3-name="Cover E" shape-3-name-1="Classification" layout-4-name="Cover F" shape-4-name-1="Classification"/>
-    </True>
-  </Cmd>
-</Update>
-</file>
-
-<file path=customXml/item14.xml><?xml version="1.0" encoding="utf-8"?>
-<p:properties xmlns:p="http://schemas.microsoft.com/office/2006/metadata/properties" xmlns:xsi="http://www.w3.org/2001/XMLSchema-instance" xmlns:pc="http://schemas.microsoft.com/office/infopath/2007/PartnerControls">
-  <documentManagement>
-    <BasedOnDocumentId xmlns="71d29222-2c5f-45ad-9aa5-4c2d15fddbe9">Not Defined</BasedOnDocumentId>
-    <Notes1 xmlns="71d29222-2c5f-45ad-9aa5-4c2d15fddbe9" xsi:nil="true"/>
-    <TaxCatchAll xmlns="71d29222-2c5f-45ad-9aa5-4c2d15fddbe9" xsi:nil="true"/>
-    <ABB_Coll_DocumentRevisionId xmlns="71d29222-2c5f-45ad-9aa5-4c2d15fddbe9" xsi:nil="true"/>
-    <CombinedDocumentId xmlns="71d29222-2c5f-45ad-9aa5-4c2d15fddbe9" xsi:nil="true"/>
-    <o8cb8facb2054f9d919ea0674048ef40 xmlns="71d29222-2c5f-45ad-9aa5-4c2d15fddbe9">
-      <Terms xmlns="http://schemas.microsoft.com/office/infopath/2007/PartnerControls"/>
-    </o8cb8facb2054f9d919ea0674048ef40>
-    <ABB_Coll_LifecycleStatus xmlns="71d29222-2c5f-45ad-9aa5-4c2d15fddbe9">Draft</ABB_Coll_LifecycleStatus>
-    <ABB_Coll_RevisionText xmlns="71d29222-2c5f-45ad-9aa5-4c2d15fddbe9" xsi:nil="true"/>
-    <BasedOnDocumentPartId xmlns="71d29222-2c5f-45ad-9aa5-4c2d15fddbe9" xsi:nil="true"/>
-    <na4369807a744182aff6832bcef961df xmlns="71d29222-2c5f-45ad-9aa5-4c2d15fddbe9">
-      <Terms xmlns="http://schemas.microsoft.com/office/infopath/2007/PartnerControls">
-        <TermInfo xmlns="http://schemas.microsoft.com/office/infopath/2007/PartnerControls">
-          <TermName xmlns="http://schemas.microsoft.com/office/infopath/2007/PartnerControls">Presentation</TermName>
-          <TermId xmlns="http://schemas.microsoft.com/office/infopath/2007/PartnerControls">879fe0ba-b71c-4824-bb6f-5e1cf3c4fd6d</TermId>
-        </TermInfo>
-      </Terms>
-    </na4369807a744182aff6832bcef961df>
-    <ABB_Coll_ApprovedByPerson xmlns="71d29222-2c5f-45ad-9aa5-4c2d15fddbe9" xsi:nil="true"/>
-    <ABB_Coll_OwningOrganization xmlns="71d29222-2c5f-45ad-9aa5-4c2d15fddbe9" xsi:nil="true"/>
-    <ABB_Coll_SecurityLevel xmlns="71d29222-2c5f-45ad-9aa5-4c2d15fddbe9">1 Blank / No selection</ABB_Coll_SecurityLevel>
-    <BasedOnLanguageCode xmlns="71d29222-2c5f-45ad-9aa5-4c2d15fddbe9">EN</BasedOnLanguageCode>
-    <ABB_Coll_DocumentPartID xmlns="71d29222-2c5f-45ad-9aa5-4c2d15fddbe9" xsi:nil="true"/>
-    <ABB_Coll_DocumentId xmlns="71d29222-2c5f-45ad-9aa5-4c2d15fddbe9" xsi:nil="true"/>
-    <ABB_Coll_RetentionDate xmlns="71d29222-2c5f-45ad-9aa5-4c2d15fddbe9" xsi:nil="true"/>
-    <ABB_Coll_TitleEnglish xmlns="71d29222-2c5f-45ad-9aa5-4c2d15fddbe9" xsi:nil="true"/>
-    <SupplementaryTitle xmlns="71d29222-2c5f-45ad-9aa5-4c2d15fddbe9">Not Defined</SupplementaryTitle>
-    <ABB_Coll_PreparedByPerson xmlns="71d29222-2c5f-45ad-9aa5-4c2d15fddbe9" xsi:nil="true"/>
-    <ABB_Coll_PreparedDate xmlns="71d29222-2c5f-45ad-9aa5-4c2d15fddbe9" xsi:nil="true"/>
-    <ABB_Coll_ApprovalDate xmlns="71d29222-2c5f-45ad-9aa5-4c2d15fddbe9" xsi:nil="true"/>
-    <BasedOnRevisionId xmlns="71d29222-2c5f-45ad-9aa5-4c2d15fddbe9">Not Defined</BasedOnRevisionId>
-  </documentManagement>
-</p:properties>
-</file>
-
-<file path=customXml/item15.xml><?xml version="1.0" encoding="utf-8"?>
-<TemplafySlideTemplateConfiguration><![CDATA[{"slideVersion":1,"isValidatorEnabled":false,"isLocked":false,"elementsMetadata":[],"slideId":"637850347537440597","enableDocumentContentUpdater":true,"version":"2.0"}]]></TemplafySlideTemplateConfiguration>
-</file>
-
-<file path=customXml/item2.xml><?xml version="1.0" encoding="utf-8"?>
-<TemplafyTemplateConfiguration><![CDATA[{"elementsMetadata":[{"elementConfiguration":{"width":"4.25 cm","height":"0.7 cm","image":"{{Form.SecurityLevel.Classification}}","disableUpdates":false,"type":"image"},"type":"shape","id":"4660efee-fabf-4927-be25-53ed74ad8e70"},{"elementConfiguration":{"width":"4.25 cm","height":"0.7 cm","image":"{{Form.SecurityLevel.Classification}}","disableUpdates":false,"type":"image"},"type":"shape","id":"9c24e7d0-d2bc-479a-9209-491dc08bb517"},{"elementConfiguration":{"width":"4.25 cm","height":"0.7 cm","image":"{{Form.SecurityLevel.Classification}}","disableUpdates":false,"type":"image"},"type":"shape","id":"54cb9848-8ca7-4849-8172-2b2305e4a61a"},{"elementConfiguration":{"width":"4.25 cm","height":"0.7 cm","image":"{{Form.SecurityLevel.Classification}}","disableUpdates":false,"type":"image"},"type":"shape","id":"7ab5a249-4eb2-4567-b497-2e131b332892"},{"elementConfiguration":{"width":"4.25 cm","height":"0.7 cm","image":"{{Form.SecurityLevel.Classification}}","disableUpdates":false,"type":"image"},"type":"shape","id":"f8bdf1ad-df20-431b-9bc7-a9ebe6785573"},{"elementConfiguration":{"width":"4.25 cm","height":"0.7 cm","image":"{{Form.SecurityLevel.Classification}}","disableUpdates":false,"type":"image"},"type":"shape","id":"ec6887e1-1fe8-4b22-9e87-cfa9a5043f09"}],"transformationConfigurations":[{"binding":"{{Form.DocumentID}}","namespace":"http://schemas.microsoft.com/office/2006/metadata/properties","path":"/p:properties/documentManagement/*[local-name()=\"ABB_Coll_DocumentId\"]","disableUpdates":false,"type":"customXmlValue"},{"namespace":"http://schemas.microsoft.com/office/2006/metadata/properties","path":"/p:properties/documentManagement/*[local-name()=\"o8cb8facb2054f9d919ea0674048ef40\"]","termId":"{{Form.Language.TermID}}","termName":"{{Form.Language.Name}}","disableUpdates":false,"type":"customXmlManagedMetadata"},{"namespace":"http://schemas.microsoft.com/office/2006/metadata/properties","path":"/p:properties/documentManagement/*[local-name()=\"na4369807a744182aff6832bcef961df\"]","termId":"{{Form.DocumentKind.TermID}}","termName":"{{Form.DocumentKind.DocumentKind}}","disableUpdates":false,"type":"customXmlManagedMetadata"},{"binding":"{{Form.Revision}}","namespace":"http://schemas.microsoft.com/office/2006/metadata/properties","path":"/p:properties/documentManagement/*[local-name()=\"ABB_Coll_DocumentRevisionId\"]","disableUpdates":false,"type":"customXmlValue"},{"binding":"{{Form.LifeCycleStatus.Name}}","namespace":"http://schemas.microsoft.com/office/2006/metadata/properties","path":"/p:properties/documentManagement/*[local-name()=\"ABB_Coll_LifecycleStatus\"]","disableUpdates":false,"type":"customXmlValue"},{"binding":"{{Form.ApprovalDate}}","namespace":"http://schemas.microsoft.com/office/2006/metadata/properties","path":"/p:properties/documentManagement/*[local-name()=\"ABB_Coll_ApprovalDate\"]","disableUpdates":false,"type":"customXmlDateTimeValue"},{"binding":"{{Form.ApprovedByPerson}}","namespace":"http://schemas.microsoft.com/office/2006/metadata/properties","path":"/p:properties/documentManagement/*[local-name()=\"ABB_Coll_ApprovedByPerson\"]","disableUpdates":false,"type":"customXmlValue"},{"binding":"{{Form.PreparedByPerson}}","namespace":"http://schemas.microsoft.com/office/2006/metadata/properties","path":"/p:properties/documentManagement/*[local-name()=\"ABB_Coll_PreparedByPerson\"]","disableUpdates":false,"type":"customXmlValue"},{"binding":"{{Form.OwningOrganization}}","namespace":"http://schemas.microsoft.com/office/2006/metadata/properties","path":"/p:properties/documentManagement/*[local-name()=\"ABB_Coll_OwningOrganization\"]","disableUpdates":false,"type":"customXmlValue"},{"binding":"{{Form.SecurityLevel.Name}}","namespace":"http://schemas.microsoft.com/office/2006/metadata/properties","path":"/p:properties/documentManagement/*[local-name()=\"ABB_Coll_SecurityLevel\"]","disableUpdates":false,"type":"customXmlValue"},{"binding":"{{Form.PreparedDate}}","namespace":"http://schemas.microsoft.com/office/2006/metadata/properties","path":"/p:properties/documentManagement/*[local-name()=\"ABB_Coll_PreparedDate\"]","disableUpdates":false,"type":"customXmlDateTimeValue"},{"propertyName":"title","propertyValue":"{{Form.DocumentTitle}}","disableUpdates":false,"type":"documentProperty"},{"propertyName":"BrandName","propertyValue":"{{UserProfile.Brand.Name}}","disableUpdates":false,"type":"customDocumentProperty"}],"templateName":"ABB Template","templateDescription":"Basic PowerPoint template to create each type of presentation. Released 2022.04.08","enableDocumentContentUpdater":true,"version":"2.0"}]]></TemplafyTemplateConfiguration>
-</file>
-
-<file path=customXml/item3.xml><?xml version="1.0" encoding="utf-8"?>
-<TemplafySlideFormConfiguration><![CDATA[{"formFields":[],"formDataEntries":[]}]]></TemplafySlideFormConfiguration>
-</file>
-
-<file path=customXml/item4.xml><?xml version="1.0" encoding="utf-8"?>
-<?mso-contentType ?>
-<SharedContentType xmlns="Microsoft.SharePoint.Taxonomy.ContentTypeSync" SourceId="13e722c5-bebe-4801-a6ac-67aa35eba088" ContentTypeId="0x010100C73238EC1C55483BBB279E4E8C27D02E01" PreviousValue="false" LastSyncTimeStamp="2018-03-15T11:37:34.393Z"/>
-</file>
-
-<file path=customXml/item5.xml><?xml version="1.0" encoding="utf-8"?>
-<TemplafySlideTemplateConfiguration><![CDATA[{"slideVersion":1,"isValidatorEnabled":false,"isLocked":false,"elementsMetadata":[{"elementConfiguration":{"width":"4.25 cm","height":"0.7 cm","image":"{{Form.SecurityLevel.Classification}}","disableUpdates":false,"type":"image"},"type":"shape"}],"slideId":"637850347537416501","enableDocumentContentUpdater":true,"version":"2.0"}]]></TemplafySlideTemplateConfiguration>
-</file>
-
-<file path=customXml/item6.xml><?xml version="1.0" encoding="utf-8"?>
-<TemplafySlideFormConfiguration><![CDATA[{"formFields":[],"formDataEntries":[]}]]></TemplafySlideFormConfiguration>
-</file>
-
-<file path=customXml/item7.xml><?xml version="1.0" encoding="utf-8"?>
-<?mso-contentType ?>
-<FormTemplates xmlns="http://schemas.microsoft.com/sharepoint/v3/contenttype/forms">
-  <Display>DocumentLibraryForm</Display>
-  <Edit>DocumentLibraryForm</Edit>
-  <New>DocumentLibraryForm</New>
-</FormTemplates>
-</file>
-
-<file path=customXml/item8.xml><?xml version="1.0" encoding="utf-8"?>
 <ct:contentTypeSchema xmlns:ct="http://schemas.microsoft.com/office/2006/metadata/contentType" xmlns:ma="http://schemas.microsoft.com/office/2006/metadata/properties/metaAttributes" ct:_="" ma:_="" ma:contentTypeName="ABB Template" ma:contentTypeID="0x010100C73238EC1C55483BBB279E4E8C27D02E0100BB91C0F054DFB449B6CF054D7AD1ED9E" ma:contentTypeVersion="5" ma:contentTypeDescription="Opret et nyt dokument." ma:contentTypeScope="" ma:versionID="95480016f5dae8e6d3acb0fc797db5cc">
   <xsd:schema xmlns:xsd="http://www.w3.org/2001/XMLSchema" xmlns:xs="http://www.w3.org/2001/XMLSchema" xmlns:p="http://schemas.microsoft.com/office/2006/metadata/properties" xmlns:ns2="71d29222-2c5f-45ad-9aa5-4c2d15fddbe9" targetNamespace="http://schemas.microsoft.com/office/2006/metadata/properties" ma:root="true" ma:fieldsID="11712ccaf642d05e482a6a247e4bc6ed" ns2:_="">
     <xsd:import namespace="71d29222-2c5f-45ad-9aa5-4c2d15fddbe9"/>
@@ -46444,8 +46470,155 @@
 </ct:contentTypeSchema>
 </file>
 
+<file path=customXml/item11.xml><?xml version="1.0" encoding="utf-8"?>
+<Update>
+  <Cmd case="SkabelonDesign.DocumentData:DefineData" variableName="DocumentRevisionIdLabelAndValue">
+    <Doc.CustomXml.ABB_Coll_DocumentRevisionId>
+      <s><![CDATA[Rev.: ]]></s>
+      <Doc.CustomXml.ABB_Coll_DocumentRevisionId/>
+    </Doc.CustomXml.ABB_Coll_DocumentRevisionId>
+    <s/>
+  </Cmd>
+  <Cmd case="SkabelonDesign.DocumentData:DefineData" variableName="PPMetadata">
+    <Doc.CustomXml.ABB_Coll_DocumentId>
+      <s><![CDATA[Document ID: ]]></s>
+      <Doc.CustomXml.ABB_Coll_DocumentId/>
+    </Doc.CustomXml.ABB_Coll_DocumentId>
+    <s/>
+  </Cmd>
+  <Cmd case="SkabelonDesign.DocumentData:DefineData" variableName="SecurityLevel">
+    <Doc.CustomXml.ABB_Coll_SecurityLevel>
+      <Doc.CustomXml.ABB_Coll_SecurityLevel/>
+    </Doc.CustomXml.ABB_Coll_SecurityLevel>
+    <s/>
+  </Cmd>
+  <Cmd case="BaseExtensions:If" if-1-type="DOCUMENTDATA" if-1-key="SecurityLevel" if-1-value="Internal">
+    <True>
+      <Cmd case="BaseExtensions:show-hide-pp" show="True" ShapeNames="Internal"/>
+      <Cmd case="BaseExtensions:show-hide-pp" show="False" ShapeNames="Confidential"/>
+      <Cmd case="BaseExtensions:show-hide-pp" show="False" ShapeNames="Strictly"/>
+      <Cmd case="BaseExtensions:show-hide-pp" show="False" ShapeNames="Public"/>
+    </True>
+  </Cmd>
+  <Cmd case="BaseExtensions:If" if-1-type="DOCUMENTDATA" if-1-key="SecurityLevel" if-1-value="Confidential">
+    <True>
+      <Cmd case="BaseExtensions:show-hide-pp" show="False" ShapeNames="Internal"/>
+      <Cmd case="BaseExtensions:show-hide-pp" show="True" ShapeNames="Confidential"/>
+      <Cmd case="BaseExtensions:show-hide-pp" show="False" ShapeNames="Strictly"/>
+      <Cmd case="BaseExtensions:show-hide-pp" show="False" ShapeNames="Public"/>
+    </True>
+  </Cmd>
+  <Cmd case="BaseExtensions:If" if-1-type="DOCUMENTDATA" if-1-key="SecurityLevel" if-1-value="Strictly Confidential">
+    <True>
+      <Cmd case="BaseExtensions:show-hide-pp" show="False" ShapeNames="Internal"/>
+      <Cmd case="BaseExtensions:show-hide-pp" show="False" ShapeNames="Confidential"/>
+      <Cmd case="BaseExtensions:show-hide-pp" show="True" ShapeNames="Strictly"/>
+      <Cmd case="BaseExtensions:show-hide-pp" show="False" ShapeNames="Public"/>
+    </True>
+  </Cmd>
+  <Cmd case="BaseExtensions:If" if-1-type="DOCUMENTDATA" if-1-key="SecurityLevel" if-1-value="Public">
+    <True>
+      <Cmd case="BaseExtensions:show-hide-pp" show="False" ShapeNames="Internal"/>
+      <Cmd case="BaseExtensions:show-hide-pp" show="False" ShapeNames="Confidential"/>
+      <Cmd case="BaseExtensions:show-hide-pp" show="False" ShapeNames="Strictly"/>
+      <Cmd case="BaseExtensions:show-hide-pp" show="True" ShapeNames="Public"/>
+    </True>
+  </Cmd>
+  <Cmd case="BaseExtensions:If" if-1-type="docpropmap" if-1-key="TemplafyTenantId" if-1-value="+abb">
+    <True>
+      <Cmd case="BaseExtensions:find-shape-bring-to-front" copyDelete="true" layout-1-name="Cover C" shape-1-name-1="Revision" shape-1-name-2="Copyright" shape-1-name-3="DocumentID" shape-1-name-4="Logo" shape-1-name-5="Classification" layout-2-name="Cover D" shape-2-name-1="Revision" shape-2-name-2="Copyright" shape-2-name-3="DocumentID" shape-2-name-4="Logo" shape-2-name-5="Classification" layout-3-name="Cover E" shape-3-name-1="Classification" layout-4-name="Cover F" shape-4-name-1="Classification"/>
+    </True>
+  </Cmd>
+</Update>
+</file>
+
+<file path=customXml/item12.xml><?xml version="1.0" encoding="utf-8"?>
+<TemplafySlideFormConfiguration><![CDATA[{"formFields":[],"formDataEntries":[]}]]></TemplafySlideFormConfiguration>
+</file>
+
+<file path=customXml/item13.xml><?xml version="1.0" encoding="utf-8"?>
+<?mso-contentType ?>
+<FormTemplates xmlns="http://schemas.microsoft.com/sharepoint/v3/contenttype/forms">
+  <Display>DocumentLibraryForm</Display>
+  <Edit>DocumentLibraryForm</Edit>
+  <New>DocumentLibraryForm</New>
+</FormTemplates>
+</file>
+
+<file path=customXml/item14.xml><?xml version="1.0" encoding="utf-8"?>
+<TemplafyFormConfiguration><![CDATA[{"formFields":[{"required":false,"placeholder":"","lines":1,"defaultValue":"","shareValue":false,"type":"textBox","name":"DocumentID","label":"Document ID"},{"required":false,"placeholder":"","lines":1,"defaultValue":"","shareValue":false,"type":"textBox","name":"DocumentTitle","label":"Document Title"},{"required":false,"placeholder":"","lines":1,"shareValue":false,"type":"textBox","name":"ProjectName","label":"Project Name"},{"required":false,"maxLength":10,"placeholder":"","lines":1,"defaultValue":"","shareValue":false,"type":"textBox","name":"Revision","label":"Revision"},{"required":false,"shareValue":false,"type":"datePicker","name":"ApprovalDate","label":"Approval Date"},{"required":false,"placeholder":"","lines":1,"shareValue":false,"type":"textBox","name":"ApprovedByPerson","label":"Approved By Person"},{"required":false,"shareValue":false,"type":"datePicker","name":"PreparedDate","label":"Prepared Date"},{"required":false,"placeholder":"","lines":1,"defaultValue":"","shareValue":false,"type":"textBox","name":"PreparedByPerson","label":"Prepared By Person"},{"distinct":false,"hideIfNoUserInteractionRequired":false,"required":false,"defaultValue":"Presentation","autoSelectFirstOption":false,"shareValue":false,"type":"dropDown","dataSourceName":"DocumentKinds","dataSourceFieldName":"DocumentKind","name":"DocumentKind","label":"Document Kind"},{"distinct":false,"hideIfNoUserInteractionRequired":false,"required":false,"defaultValue":"enUS - English, using US adapted terminology","autoSelectFirstOption":false,"shareValue":false,"type":"dropDown","dataSourceName":"LanguageCodes","dataSourceFieldName":"Name","name":"Language","label":"Language"},{"distinct":false,"hideIfNoUserInteractionRequired":false,"required":false,"defaultValue":"Draft","autoSelectFirstOption":false,"shareValue":false,"type":"dropDown","dataSourceName":"LifeCycleStatus","dataSourceFieldName":"Name","name":"LifeCycleStatus","label":"Life Cycle Status"},{"required":false,"placeholder":"","lines":1,"defaultValue":"","shareValue":false,"type":"textBox","name":"OwningOrganization","label":"Owning Organization"},{"distinct":false,"hideIfNoUserInteractionRequired":false,"required":false,"defaultValue":"1 Blank / No selection","autoSelectFirstOption":false,"shareValue":false,"type":"dropDown","dataSourceName":"SecurityLevels","dataSourceFieldName":"Name","name":"SecurityLevel","label":"Security Level"}],"formDataEntries":[{"name":"DocumentKind","value":"lkfV49ZDsob5Bh/OcSBVgcFiYOf7BZZEAIO3+yuOAZE="},{"name":"LifeCycleStatus","value":"QnWOujKLJp1RvJFaXvBl6HPTKUr9NiUrF8/eA/+Hz0E="},{"name":"SecurityLevel","value":"AjUfbU7fcmJ9ahnATTBBemZ2fau3JMwZtl4s3Acf4Qc="}]}]]></TemplafyFormConfiguration>
+</file>
+
+<file path=customXml/item15.xml><?xml version="1.0" encoding="utf-8"?>
+<TemplafyTemplateConfiguration><![CDATA[{"elementsMetadata":[{"elementConfiguration":{"width":"4.25 cm","height":"0.7 cm","image":"{{Form.SecurityLevel.Classification}}","disableUpdates":false,"type":"image"},"type":"shape","id":"4660efee-fabf-4927-be25-53ed74ad8e70"},{"elementConfiguration":{"width":"4.25 cm","height":"0.7 cm","image":"{{Form.SecurityLevel.Classification}}","disableUpdates":false,"type":"image"},"type":"shape","id":"9c24e7d0-d2bc-479a-9209-491dc08bb517"},{"elementConfiguration":{"width":"4.25 cm","height":"0.7 cm","image":"{{Form.SecurityLevel.Classification}}","disableUpdates":false,"type":"image"},"type":"shape","id":"54cb9848-8ca7-4849-8172-2b2305e4a61a"},{"elementConfiguration":{"width":"4.25 cm","height":"0.7 cm","image":"{{Form.SecurityLevel.Classification}}","disableUpdates":false,"type":"image"},"type":"shape","id":"7ab5a249-4eb2-4567-b497-2e131b332892"},{"elementConfiguration":{"width":"4.25 cm","height":"0.7 cm","image":"{{Form.SecurityLevel.Classification}}","disableUpdates":false,"type":"image"},"type":"shape","id":"f8bdf1ad-df20-431b-9bc7-a9ebe6785573"},{"elementConfiguration":{"width":"4.25 cm","height":"0.7 cm","image":"{{Form.SecurityLevel.Classification}}","disableUpdates":false,"type":"image"},"type":"shape","id":"ec6887e1-1fe8-4b22-9e87-cfa9a5043f09"}],"transformationConfigurations":[{"binding":"{{Form.DocumentID}}","namespace":"http://schemas.microsoft.com/office/2006/metadata/properties","path":"/p:properties/documentManagement/*[local-name()=\"ABB_Coll_DocumentId\"]","disableUpdates":false,"type":"customXmlValue"},{"namespace":"http://schemas.microsoft.com/office/2006/metadata/properties","path":"/p:properties/documentManagement/*[local-name()=\"o8cb8facb2054f9d919ea0674048ef40\"]","termId":"{{Form.Language.TermID}}","termName":"{{Form.Language.Name}}","disableUpdates":false,"type":"customXmlManagedMetadata"},{"namespace":"http://schemas.microsoft.com/office/2006/metadata/properties","path":"/p:properties/documentManagement/*[local-name()=\"na4369807a744182aff6832bcef961df\"]","termId":"{{Form.DocumentKind.TermID}}","termName":"{{Form.DocumentKind.DocumentKind}}","disableUpdates":false,"type":"customXmlManagedMetadata"},{"binding":"{{Form.Revision}}","namespace":"http://schemas.microsoft.com/office/2006/metadata/properties","path":"/p:properties/documentManagement/*[local-name()=\"ABB_Coll_DocumentRevisionId\"]","disableUpdates":false,"type":"customXmlValue"},{"binding":"{{Form.LifeCycleStatus.Name}}","namespace":"http://schemas.microsoft.com/office/2006/metadata/properties","path":"/p:properties/documentManagement/*[local-name()=\"ABB_Coll_LifecycleStatus\"]","disableUpdates":false,"type":"customXmlValue"},{"binding":"{{Form.ApprovalDate}}","namespace":"http://schemas.microsoft.com/office/2006/metadata/properties","path":"/p:properties/documentManagement/*[local-name()=\"ABB_Coll_ApprovalDate\"]","disableUpdates":false,"type":"customXmlDateTimeValue"},{"binding":"{{Form.ApprovedByPerson}}","namespace":"http://schemas.microsoft.com/office/2006/metadata/properties","path":"/p:properties/documentManagement/*[local-name()=\"ABB_Coll_ApprovedByPerson\"]","disableUpdates":false,"type":"customXmlValue"},{"binding":"{{Form.PreparedByPerson}}","namespace":"http://schemas.microsoft.com/office/2006/metadata/properties","path":"/p:properties/documentManagement/*[local-name()=\"ABB_Coll_PreparedByPerson\"]","disableUpdates":false,"type":"customXmlValue"},{"binding":"{{Form.OwningOrganization}}","namespace":"http://schemas.microsoft.com/office/2006/metadata/properties","path":"/p:properties/documentManagement/*[local-name()=\"ABB_Coll_OwningOrganization\"]","disableUpdates":false,"type":"customXmlValue"},{"binding":"{{Form.SecurityLevel.Name}}","namespace":"http://schemas.microsoft.com/office/2006/metadata/properties","path":"/p:properties/documentManagement/*[local-name()=\"ABB_Coll_SecurityLevel\"]","disableUpdates":false,"type":"customXmlValue"},{"binding":"{{Form.PreparedDate}}","namespace":"http://schemas.microsoft.com/office/2006/metadata/properties","path":"/p:properties/documentManagement/*[local-name()=\"ABB_Coll_PreparedDate\"]","disableUpdates":false,"type":"customXmlDateTimeValue"},{"propertyName":"title","propertyValue":"{{Form.DocumentTitle}}","disableUpdates":false,"type":"documentProperty"},{"propertyName":"BrandName","propertyValue":"{{UserProfile.Brand.Name}}","disableUpdates":false,"type":"customDocumentProperty"}],"templateName":"ABB Template","templateDescription":"Basic PowerPoint template to create each type of presentation. Released 2022.04.08","enableDocumentContentUpdater":true,"version":"2.0"}]]></TemplafyTemplateConfiguration>
+</file>
+
+<file path=customXml/item2.xml><?xml version="1.0" encoding="utf-8"?>
+<TemplafySlideFormConfiguration><![CDATA[{"formFields":[],"formDataEntries":[]}]]></TemplafySlideFormConfiguration>
+</file>
+
+<file path=customXml/item3.xml><?xml version="1.0" encoding="utf-8"?>
+<TemplafySlideFormConfiguration><![CDATA[{"formFields":[],"formDataEntries":[]}]]></TemplafySlideFormConfiguration>
+</file>
+
+<file path=customXml/item4.xml><?xml version="1.0" encoding="utf-8"?>
+<TemplafySlideTemplateConfiguration><![CDATA[{"slideVersion":1,"isValidatorEnabled":false,"isLocked":false,"elementsMetadata":[{"elementConfiguration":{"width":"4.25 cm","height":"0.7 cm","image":"{{Form.SecurityLevel.Classification}}","disableUpdates":false,"type":"image"},"type":"shape"}],"slideId":"637850347537416501","enableDocumentContentUpdater":true,"version":"2.0"}]]></TemplafySlideTemplateConfiguration>
+</file>
+
+<file path=customXml/item5.xml><?xml version="1.0" encoding="utf-8"?>
+<TemplafySlideTemplateConfiguration><![CDATA[{"slideVersion":1,"isValidatorEnabled":false,"isLocked":false,"elementsMetadata":[],"slideId":"637850347537440597","enableDocumentContentUpdater":true,"version":"2.0"}]]></TemplafySlideTemplateConfiguration>
+</file>
+
+<file path=customXml/item6.xml><?xml version="1.0" encoding="utf-8"?>
+<TemplafySlideFormConfiguration><![CDATA[{"formFields":[],"formDataEntries":[]}]]></TemplafySlideFormConfiguration>
+</file>
+
+<file path=customXml/item7.xml><?xml version="1.0" encoding="utf-8"?>
+<?mso-contentType ?>
+<SharedContentType xmlns="Microsoft.SharePoint.Taxonomy.ContentTypeSync" SourceId="13e722c5-bebe-4801-a6ac-67aa35eba088" ContentTypeId="0x010100C73238EC1C55483BBB279E4E8C27D02E01" PreviousValue="false" LastSyncTimeStamp="2018-03-15T11:37:34.393Z"/>
+</file>
+
+<file path=customXml/item8.xml><?xml version="1.0" encoding="utf-8"?>
+<TemplafySlideTemplateConfiguration><![CDATA[{"slideVersion":1,"isValidatorEnabled":false,"isLocked":false,"elementsMetadata":[],"slideId":"637850347537485435","enableDocumentContentUpdater":true,"version":"2.0"}]]></TemplafySlideTemplateConfiguration>
+</file>
+
 <file path=customXml/item9.xml><?xml version="1.0" encoding="utf-8"?>
-<TemplafySlideTemplateConfiguration><![CDATA[{"slideVersion":1,"isValidatorEnabled":false,"isLocked":false,"elementsMetadata":[],"slideId":"637850347537485435","enableDocumentContentUpdater":true,"version":"2.0"}]]></TemplafySlideTemplateConfiguration>
+<p:properties xmlns:p="http://schemas.microsoft.com/office/2006/metadata/properties" xmlns:xsi="http://www.w3.org/2001/XMLSchema-instance" xmlns:pc="http://schemas.microsoft.com/office/infopath/2007/PartnerControls">
+  <documentManagement>
+    <BasedOnDocumentId xmlns="71d29222-2c5f-45ad-9aa5-4c2d15fddbe9">Not Defined</BasedOnDocumentId>
+    <Notes1 xmlns="71d29222-2c5f-45ad-9aa5-4c2d15fddbe9" xsi:nil="true"/>
+    <TaxCatchAll xmlns="71d29222-2c5f-45ad-9aa5-4c2d15fddbe9" xsi:nil="true"/>
+    <ABB_Coll_DocumentRevisionId xmlns="71d29222-2c5f-45ad-9aa5-4c2d15fddbe9" xsi:nil="true"/>
+    <CombinedDocumentId xmlns="71d29222-2c5f-45ad-9aa5-4c2d15fddbe9" xsi:nil="true"/>
+    <o8cb8facb2054f9d919ea0674048ef40 xmlns="71d29222-2c5f-45ad-9aa5-4c2d15fddbe9">
+      <Terms xmlns="http://schemas.microsoft.com/office/infopath/2007/PartnerControls"/>
+    </o8cb8facb2054f9d919ea0674048ef40>
+    <ABB_Coll_LifecycleStatus xmlns="71d29222-2c5f-45ad-9aa5-4c2d15fddbe9">Draft</ABB_Coll_LifecycleStatus>
+    <ABB_Coll_RevisionText xmlns="71d29222-2c5f-45ad-9aa5-4c2d15fddbe9" xsi:nil="true"/>
+    <BasedOnDocumentPartId xmlns="71d29222-2c5f-45ad-9aa5-4c2d15fddbe9" xsi:nil="true"/>
+    <na4369807a744182aff6832bcef961df xmlns="71d29222-2c5f-45ad-9aa5-4c2d15fddbe9">
+      <Terms xmlns="http://schemas.microsoft.com/office/infopath/2007/PartnerControls">
+        <TermInfo xmlns="http://schemas.microsoft.com/office/infopath/2007/PartnerControls">
+          <TermName xmlns="http://schemas.microsoft.com/office/infopath/2007/PartnerControls">Presentation</TermName>
+          <TermId xmlns="http://schemas.microsoft.com/office/infopath/2007/PartnerControls">879fe0ba-b71c-4824-bb6f-5e1cf3c4fd6d</TermId>
+        </TermInfo>
+      </Terms>
+    </na4369807a744182aff6832bcef961df>
+    <ABB_Coll_ApprovedByPerson xmlns="71d29222-2c5f-45ad-9aa5-4c2d15fddbe9" xsi:nil="true"/>
+    <ABB_Coll_OwningOrganization xmlns="71d29222-2c5f-45ad-9aa5-4c2d15fddbe9" xsi:nil="true"/>
+    <ABB_Coll_SecurityLevel xmlns="71d29222-2c5f-45ad-9aa5-4c2d15fddbe9">1 Blank / No selection</ABB_Coll_SecurityLevel>
+    <BasedOnLanguageCode xmlns="71d29222-2c5f-45ad-9aa5-4c2d15fddbe9">EN</BasedOnLanguageCode>
+    <ABB_Coll_DocumentPartID xmlns="71d29222-2c5f-45ad-9aa5-4c2d15fddbe9" xsi:nil="true"/>
+    <ABB_Coll_DocumentId xmlns="71d29222-2c5f-45ad-9aa5-4c2d15fddbe9" xsi:nil="true"/>
+    <ABB_Coll_RetentionDate xmlns="71d29222-2c5f-45ad-9aa5-4c2d15fddbe9" xsi:nil="true"/>
+    <ABB_Coll_TitleEnglish xmlns="71d29222-2c5f-45ad-9aa5-4c2d15fddbe9" xsi:nil="true"/>
+    <SupplementaryTitle xmlns="71d29222-2c5f-45ad-9aa5-4c2d15fddbe9">Not Defined</SupplementaryTitle>
+    <ABB_Coll_PreparedByPerson xmlns="71d29222-2c5f-45ad-9aa5-4c2d15fddbe9" xsi:nil="true"/>
+    <ABB_Coll_PreparedDate xmlns="71d29222-2c5f-45ad-9aa5-4c2d15fddbe9" xsi:nil="true"/>
+    <ABB_Coll_ApprovalDate xmlns="71d29222-2c5f-45ad-9aa5-4c2d15fddbe9" xsi:nil="true"/>
+    <BasedOnRevisionId xmlns="71d29222-2c5f-45ad-9aa5-4c2d15fddbe9">Not Defined</BasedOnRevisionId>
+  </documentManagement>
+</p:properties>
 </file>
 
 <file path=customXml/itemProps1.xml><?xml version="1.0" encoding="utf-8"?>
@@ -46455,86 +46628,6 @@
 </file>
 
 <file path=customXml/itemProps10.xml><?xml version="1.0" encoding="utf-8"?>
-<ds:datastoreItem xmlns:ds="http://schemas.openxmlformats.org/officeDocument/2006/customXml" ds:itemID="{3ECD800E-71F1-48A7-95FD-4E027165EBAE}">
-  <ds:schemaRefs/>
-</ds:datastoreItem>
-</file>
-
-<file path=customXml/itemProps11.xml><?xml version="1.0" encoding="utf-8"?>
-<ds:datastoreItem xmlns:ds="http://schemas.openxmlformats.org/officeDocument/2006/customXml" ds:itemID="{29D7A846-0DA2-42A4-98F2-11B97807D5A0}">
-  <ds:schemaRefs/>
-</ds:datastoreItem>
-</file>
-
-<file path=customXml/itemProps12.xml><?xml version="1.0" encoding="utf-8"?>
-<ds:datastoreItem xmlns:ds="http://schemas.openxmlformats.org/officeDocument/2006/customXml" ds:itemID="{88746BAB-2507-4F3A-B16E-ED38367EE530}">
-  <ds:schemaRefs/>
-</ds:datastoreItem>
-</file>
-
-<file path=customXml/itemProps13.xml><?xml version="1.0" encoding="utf-8"?>
-<ds:datastoreItem xmlns:ds="http://schemas.openxmlformats.org/officeDocument/2006/customXml" ds:itemID="{FC702D5D-20C9-4646-A9EE-24CAFD79F5B7}">
-  <ds:schemaRefs/>
-</ds:datastoreItem>
-</file>
-
-<file path=customXml/itemProps14.xml><?xml version="1.0" encoding="utf-8"?>
-<ds:datastoreItem xmlns:ds="http://schemas.openxmlformats.org/officeDocument/2006/customXml" ds:itemID="{20F01761-FF92-45AA-AFD3-07A4C4C43484}">
-  <ds:schemaRefs>
-    <ds:schemaRef ds:uri="http://schemas.microsoft.com/office/2006/metadata/properties"/>
-    <ds:schemaRef ds:uri="http://schemas.microsoft.com/office/infopath/2007/PartnerControls"/>
-    <ds:schemaRef ds:uri="71d29222-2c5f-45ad-9aa5-4c2d15fddbe9"/>
-  </ds:schemaRefs>
-</ds:datastoreItem>
-</file>
-
-<file path=customXml/itemProps15.xml><?xml version="1.0" encoding="utf-8"?>
-<ds:datastoreItem xmlns:ds="http://schemas.openxmlformats.org/officeDocument/2006/customXml" ds:itemID="{A15A367D-AA48-4613-AF92-0DA9B3A69735}">
-  <ds:schemaRefs/>
-</ds:datastoreItem>
-</file>
-
-<file path=customXml/itemProps2.xml><?xml version="1.0" encoding="utf-8"?>
-<ds:datastoreItem xmlns:ds="http://schemas.openxmlformats.org/officeDocument/2006/customXml" ds:itemID="{D2280EEE-F7B5-4B82-8B3F-6C5291CE43BF}">
-  <ds:schemaRefs/>
-</ds:datastoreItem>
-</file>
-
-<file path=customXml/itemProps3.xml><?xml version="1.0" encoding="utf-8"?>
-<ds:datastoreItem xmlns:ds="http://schemas.openxmlformats.org/officeDocument/2006/customXml" ds:itemID="{55E46940-6434-4A2E-97B3-DE85BC1783F5}">
-  <ds:schemaRefs/>
-</ds:datastoreItem>
-</file>
-
-<file path=customXml/itemProps4.xml><?xml version="1.0" encoding="utf-8"?>
-<ds:datastoreItem xmlns:ds="http://schemas.openxmlformats.org/officeDocument/2006/customXml" ds:itemID="{66E1508F-A58E-4DD5-9EB8-AC4BDE314F53}">
-  <ds:schemaRefs>
-    <ds:schemaRef ds:uri="Microsoft.SharePoint.Taxonomy.ContentTypeSync"/>
-  </ds:schemaRefs>
-</ds:datastoreItem>
-</file>
-
-<file path=customXml/itemProps5.xml><?xml version="1.0" encoding="utf-8"?>
-<ds:datastoreItem xmlns:ds="http://schemas.openxmlformats.org/officeDocument/2006/customXml" ds:itemID="{583016FA-8CF4-49F0-B3A3-2E0DED7C71BA}">
-  <ds:schemaRefs/>
-</ds:datastoreItem>
-</file>
-
-<file path=customXml/itemProps6.xml><?xml version="1.0" encoding="utf-8"?>
-<ds:datastoreItem xmlns:ds="http://schemas.openxmlformats.org/officeDocument/2006/customXml" ds:itemID="{3852D14C-8C3D-4AA7-B8B3-DC72E44BEE61}">
-  <ds:schemaRefs/>
-</ds:datastoreItem>
-</file>
-
-<file path=customXml/itemProps7.xml><?xml version="1.0" encoding="utf-8"?>
-<ds:datastoreItem xmlns:ds="http://schemas.openxmlformats.org/officeDocument/2006/customXml" ds:itemID="{E296156F-3DB4-48ED-BF14-FAC9F0C4F584}">
-  <ds:schemaRefs>
-    <ds:schemaRef ds:uri="http://schemas.microsoft.com/sharepoint/v3/contenttype/forms"/>
-  </ds:schemaRefs>
-</ds:datastoreItem>
-</file>
-
-<file path=customXml/itemProps8.xml><?xml version="1.0" encoding="utf-8"?>
 <ds:datastoreItem xmlns:ds="http://schemas.openxmlformats.org/officeDocument/2006/customXml" ds:itemID="{189C1233-36FA-4952-984E-C0B4B998970D}">
   <ds:schemaRefs>
     <ds:schemaRef ds:uri="http://schemas.microsoft.com/office/2006/metadata/contentType"/>
@@ -46552,8 +46645,88 @@
 </ds:datastoreItem>
 </file>
 
-<file path=customXml/itemProps9.xml><?xml version="1.0" encoding="utf-8"?>
+<file path=customXml/itemProps11.xml><?xml version="1.0" encoding="utf-8"?>
+<ds:datastoreItem xmlns:ds="http://schemas.openxmlformats.org/officeDocument/2006/customXml" ds:itemID="{FC702D5D-20C9-4646-A9EE-24CAFD79F5B7}">
+  <ds:schemaRefs/>
+</ds:datastoreItem>
+</file>
+
+<file path=customXml/itemProps12.xml><?xml version="1.0" encoding="utf-8"?>
+<ds:datastoreItem xmlns:ds="http://schemas.openxmlformats.org/officeDocument/2006/customXml" ds:itemID="{55E46940-6434-4A2E-97B3-DE85BC1783F5}">
+  <ds:schemaRefs/>
+</ds:datastoreItem>
+</file>
+
+<file path=customXml/itemProps13.xml><?xml version="1.0" encoding="utf-8"?>
+<ds:datastoreItem xmlns:ds="http://schemas.openxmlformats.org/officeDocument/2006/customXml" ds:itemID="{E296156F-3DB4-48ED-BF14-FAC9F0C4F584}">
+  <ds:schemaRefs>
+    <ds:schemaRef ds:uri="http://schemas.microsoft.com/sharepoint/v3/contenttype/forms"/>
+  </ds:schemaRefs>
+</ds:datastoreItem>
+</file>
+
+<file path=customXml/itemProps14.xml><?xml version="1.0" encoding="utf-8"?>
+<ds:datastoreItem xmlns:ds="http://schemas.openxmlformats.org/officeDocument/2006/customXml" ds:itemID="{88746BAB-2507-4F3A-B16E-ED38367EE530}">
+  <ds:schemaRefs/>
+</ds:datastoreItem>
+</file>
+
+<file path=customXml/itemProps15.xml><?xml version="1.0" encoding="utf-8"?>
+<ds:datastoreItem xmlns:ds="http://schemas.openxmlformats.org/officeDocument/2006/customXml" ds:itemID="{D2280EEE-F7B5-4B82-8B3F-6C5291CE43BF}">
+  <ds:schemaRefs/>
+</ds:datastoreItem>
+</file>
+
+<file path=customXml/itemProps2.xml><?xml version="1.0" encoding="utf-8"?>
+<ds:datastoreItem xmlns:ds="http://schemas.openxmlformats.org/officeDocument/2006/customXml" ds:itemID="{3852D14C-8C3D-4AA7-B8B3-DC72E44BEE61}">
+  <ds:schemaRefs/>
+</ds:datastoreItem>
+</file>
+
+<file path=customXml/itemProps3.xml><?xml version="1.0" encoding="utf-8"?>
+<ds:datastoreItem xmlns:ds="http://schemas.openxmlformats.org/officeDocument/2006/customXml" ds:itemID="{29D7A846-0DA2-42A4-98F2-11B97807D5A0}">
+  <ds:schemaRefs/>
+</ds:datastoreItem>
+</file>
+
+<file path=customXml/itemProps4.xml><?xml version="1.0" encoding="utf-8"?>
+<ds:datastoreItem xmlns:ds="http://schemas.openxmlformats.org/officeDocument/2006/customXml" ds:itemID="{583016FA-8CF4-49F0-B3A3-2E0DED7C71BA}">
+  <ds:schemaRefs/>
+</ds:datastoreItem>
+</file>
+
+<file path=customXml/itemProps5.xml><?xml version="1.0" encoding="utf-8"?>
+<ds:datastoreItem xmlns:ds="http://schemas.openxmlformats.org/officeDocument/2006/customXml" ds:itemID="{A15A367D-AA48-4613-AF92-0DA9B3A69735}">
+  <ds:schemaRefs/>
+</ds:datastoreItem>
+</file>
+
+<file path=customXml/itemProps6.xml><?xml version="1.0" encoding="utf-8"?>
+<ds:datastoreItem xmlns:ds="http://schemas.openxmlformats.org/officeDocument/2006/customXml" ds:itemID="{3ECD800E-71F1-48A7-95FD-4E027165EBAE}">
+  <ds:schemaRefs/>
+</ds:datastoreItem>
+</file>
+
+<file path=customXml/itemProps7.xml><?xml version="1.0" encoding="utf-8"?>
+<ds:datastoreItem xmlns:ds="http://schemas.openxmlformats.org/officeDocument/2006/customXml" ds:itemID="{66E1508F-A58E-4DD5-9EB8-AC4BDE314F53}">
+  <ds:schemaRefs>
+    <ds:schemaRef ds:uri="Microsoft.SharePoint.Taxonomy.ContentTypeSync"/>
+  </ds:schemaRefs>
+</ds:datastoreItem>
+</file>
+
+<file path=customXml/itemProps8.xml><?xml version="1.0" encoding="utf-8"?>
 <ds:datastoreItem xmlns:ds="http://schemas.openxmlformats.org/officeDocument/2006/customXml" ds:itemID="{17737E7C-FF8E-4947-8556-019F4675B7F5}">
   <ds:schemaRefs/>
 </ds:datastoreItem>
+</file>
+
+<file path=customXml/itemProps9.xml><?xml version="1.0" encoding="utf-8"?>
+<ds:datastoreItem xmlns:ds="http://schemas.openxmlformats.org/officeDocument/2006/customXml" ds:itemID="{20F01761-FF92-45AA-AFD3-07A4C4C43484}">
+  <ds:schemaRefs>
+    <ds:schemaRef ds:uri="http://schemas.microsoft.com/office/2006/metadata/properties"/>
+    <ds:schemaRef ds:uri="http://schemas.microsoft.com/office/infopath/2007/PartnerControls"/>
+    <ds:schemaRef ds:uri="71d29222-2c5f-45ad-9aa5-4c2d15fddbe9"/>
+  </ds:schemaRefs>
+</ds:datastoreItem>
 </file>